--- a/medve/logo/szekelydata logo2.pptx
+++ b/medve/logo/szekelydata logo2.pptx
@@ -5,15 +5,11 @@
     <p:sldMasterId id="2147483648" r:id="rId1"/>
   </p:sldMasterIdLst>
   <p:sldIdLst>
-    <p:sldId id="256" r:id="rId2"/>
-    <p:sldId id="258" r:id="rId3"/>
-    <p:sldId id="259" r:id="rId4"/>
-    <p:sldId id="260" r:id="rId5"/>
-    <p:sldId id="261" r:id="rId6"/>
-    <p:sldId id="262" r:id="rId7"/>
-    <p:sldId id="263" r:id="rId8"/>
-    <p:sldId id="264" r:id="rId9"/>
-    <p:sldId id="265" r:id="rId10"/>
+    <p:sldId id="264" r:id="rId2"/>
+    <p:sldId id="265" r:id="rId3"/>
+    <p:sldId id="266" r:id="rId4"/>
+    <p:sldId id="267" r:id="rId5"/>
+    <p:sldId id="268" r:id="rId6"/>
   </p:sldIdLst>
   <p:sldSz cx="12192000" cy="6858000"/>
   <p:notesSz cx="6858000" cy="9144000"/>
@@ -279,7 +275,7 @@
           <a:p>
             <a:fld id="{18E8E0FF-2D50-4C17-A871-A3C9A189B845}" type="datetimeFigureOut">
               <a:rPr lang="en-US" smtClean="0"/>
-              <a:t>10/31/2018</a:t>
+              <a:t>3/25/2019</a:t>
             </a:fld>
             <a:endParaRPr lang="en-US"/>
           </a:p>
@@ -477,7 +473,7 @@
           <a:p>
             <a:fld id="{18E8E0FF-2D50-4C17-A871-A3C9A189B845}" type="datetimeFigureOut">
               <a:rPr lang="en-US" smtClean="0"/>
-              <a:t>10/31/2018</a:t>
+              <a:t>3/25/2019</a:t>
             </a:fld>
             <a:endParaRPr lang="en-US"/>
           </a:p>
@@ -685,7 +681,7 @@
           <a:p>
             <a:fld id="{18E8E0FF-2D50-4C17-A871-A3C9A189B845}" type="datetimeFigureOut">
               <a:rPr lang="en-US" smtClean="0"/>
-              <a:t>10/31/2018</a:t>
+              <a:t>3/25/2019</a:t>
             </a:fld>
             <a:endParaRPr lang="en-US"/>
           </a:p>
@@ -883,7 +879,7 @@
           <a:p>
             <a:fld id="{18E8E0FF-2D50-4C17-A871-A3C9A189B845}" type="datetimeFigureOut">
               <a:rPr lang="en-US" smtClean="0"/>
-              <a:t>10/31/2018</a:t>
+              <a:t>3/25/2019</a:t>
             </a:fld>
             <a:endParaRPr lang="en-US"/>
           </a:p>
@@ -1158,7 +1154,7 @@
           <a:p>
             <a:fld id="{18E8E0FF-2D50-4C17-A871-A3C9A189B845}" type="datetimeFigureOut">
               <a:rPr lang="en-US" smtClean="0"/>
-              <a:t>10/31/2018</a:t>
+              <a:t>3/25/2019</a:t>
             </a:fld>
             <a:endParaRPr lang="en-US"/>
           </a:p>
@@ -1423,7 +1419,7 @@
           <a:p>
             <a:fld id="{18E8E0FF-2D50-4C17-A871-A3C9A189B845}" type="datetimeFigureOut">
               <a:rPr lang="en-US" smtClean="0"/>
-              <a:t>10/31/2018</a:t>
+              <a:t>3/25/2019</a:t>
             </a:fld>
             <a:endParaRPr lang="en-US"/>
           </a:p>
@@ -1835,7 +1831,7 @@
           <a:p>
             <a:fld id="{18E8E0FF-2D50-4C17-A871-A3C9A189B845}" type="datetimeFigureOut">
               <a:rPr lang="en-US" smtClean="0"/>
-              <a:t>10/31/2018</a:t>
+              <a:t>3/25/2019</a:t>
             </a:fld>
             <a:endParaRPr lang="en-US"/>
           </a:p>
@@ -1976,7 +1972,7 @@
           <a:p>
             <a:fld id="{18E8E0FF-2D50-4C17-A871-A3C9A189B845}" type="datetimeFigureOut">
               <a:rPr lang="en-US" smtClean="0"/>
-              <a:t>10/31/2018</a:t>
+              <a:t>3/25/2019</a:t>
             </a:fld>
             <a:endParaRPr lang="en-US"/>
           </a:p>
@@ -2089,7 +2085,7 @@
           <a:p>
             <a:fld id="{18E8E0FF-2D50-4C17-A871-A3C9A189B845}" type="datetimeFigureOut">
               <a:rPr lang="en-US" smtClean="0"/>
-              <a:t>10/31/2018</a:t>
+              <a:t>3/25/2019</a:t>
             </a:fld>
             <a:endParaRPr lang="en-US"/>
           </a:p>
@@ -2400,7 +2396,7 @@
           <a:p>
             <a:fld id="{18E8E0FF-2D50-4C17-A871-A3C9A189B845}" type="datetimeFigureOut">
               <a:rPr lang="en-US" smtClean="0"/>
-              <a:t>10/31/2018</a:t>
+              <a:t>3/25/2019</a:t>
             </a:fld>
             <a:endParaRPr lang="en-US"/>
           </a:p>
@@ -2688,7 +2684,7 @@
           <a:p>
             <a:fld id="{18E8E0FF-2D50-4C17-A871-A3C9A189B845}" type="datetimeFigureOut">
               <a:rPr lang="en-US" smtClean="0"/>
-              <a:t>10/31/2018</a:t>
+              <a:t>3/25/2019</a:t>
             </a:fld>
             <a:endParaRPr lang="en-US"/>
           </a:p>
@@ -2929,7 +2925,7 @@
           <a:p>
             <a:fld id="{18E8E0FF-2D50-4C17-A871-A3C9A189B845}" type="datetimeFigureOut">
               <a:rPr lang="en-US" smtClean="0"/>
-              <a:t>10/31/2018</a:t>
+              <a:t>3/25/2019</a:t>
             </a:fld>
             <a:endParaRPr lang="en-US"/>
           </a:p>
@@ -3348,2837 +3344,6 @@
       </p:grpSpPr>
       <p:pic>
         <p:nvPicPr>
-          <p:cNvPr id="5" name="Picture 4">
-            <a:extLst>
-              <a:ext uri="{FF2B5EF4-FFF2-40B4-BE49-F238E27FC236}">
-                <a16:creationId xmlns:a16="http://schemas.microsoft.com/office/drawing/2014/main" id="{5ED2D785-1D36-49FC-94B1-A733E8A33A35}"/>
-              </a:ext>
-            </a:extLst>
-          </p:cNvPr>
-          <p:cNvPicPr>
-            <a:picLocks noChangeAspect="1"/>
-          </p:cNvPicPr>
-          <p:nvPr/>
-        </p:nvPicPr>
-        <p:blipFill>
-          <a:blip r:embed="rId2">
-            <a:extLst>
-              <a:ext uri="{28A0092B-C50C-407E-A947-70E740481C1C}">
-                <a14:useLocalDpi xmlns:a14="http://schemas.microsoft.com/office/drawing/2010/main" val="0"/>
-              </a:ext>
-            </a:extLst>
-          </a:blip>
-          <a:stretch>
-            <a:fillRect/>
-          </a:stretch>
-        </p:blipFill>
-        <p:spPr>
-          <a:xfrm>
-            <a:off x="9977437" y="3974148"/>
-            <a:ext cx="1381125" cy="1381125"/>
-          </a:xfrm>
-          <a:prstGeom prst="rect">
-            <a:avLst/>
-          </a:prstGeom>
-        </p:spPr>
-      </p:pic>
-      <p:sp>
-        <p:nvSpPr>
-          <p:cNvPr id="6" name="Rectangle 5">
-            <a:extLst>
-              <a:ext uri="{FF2B5EF4-FFF2-40B4-BE49-F238E27FC236}">
-                <a16:creationId xmlns:a16="http://schemas.microsoft.com/office/drawing/2014/main" id="{D153501A-2596-4F52-816E-02D3A9FC4C87}"/>
-              </a:ext>
-            </a:extLst>
-          </p:cNvPr>
-          <p:cNvSpPr/>
-          <p:nvPr/>
-        </p:nvSpPr>
-        <p:spPr>
-          <a:xfrm>
-            <a:off x="1249680" y="396240"/>
-            <a:ext cx="5486400" cy="2743200"/>
-          </a:xfrm>
-          <a:prstGeom prst="rect">
-            <a:avLst/>
-          </a:prstGeom>
-          <a:solidFill>
-            <a:srgbClr val="FE0100"/>
-          </a:solidFill>
-          <a:ln w="38100">
-            <a:solidFill>
-              <a:srgbClr val="181717"/>
-            </a:solidFill>
-          </a:ln>
-        </p:spPr>
-        <p:style>
-          <a:lnRef idx="2">
-            <a:schemeClr val="accent1">
-              <a:shade val="50000"/>
-            </a:schemeClr>
-          </a:lnRef>
-          <a:fillRef idx="1">
-            <a:schemeClr val="accent1"/>
-          </a:fillRef>
-          <a:effectRef idx="0">
-            <a:schemeClr val="accent1"/>
-          </a:effectRef>
-          <a:fontRef idx="minor">
-            <a:schemeClr val="lt1"/>
-          </a:fontRef>
-        </p:style>
-        <p:txBody>
-          <a:bodyPr rtlCol="0" anchor="ctr"/>
-          <a:lstStyle/>
-          <a:p>
-            <a:pPr algn="ctr"/>
-            <a:endParaRPr lang="en-US" dirty="0"/>
-          </a:p>
-        </p:txBody>
-      </p:sp>
-      <p:sp>
-        <p:nvSpPr>
-          <p:cNvPr id="7" name="Rectangle 6">
-            <a:extLst>
-              <a:ext uri="{FF2B5EF4-FFF2-40B4-BE49-F238E27FC236}">
-                <a16:creationId xmlns:a16="http://schemas.microsoft.com/office/drawing/2014/main" id="{1F97A3E3-A1FE-4B0F-A6E2-279B5BEC22D9}"/>
-              </a:ext>
-            </a:extLst>
-          </p:cNvPr>
-          <p:cNvSpPr/>
-          <p:nvPr/>
-        </p:nvSpPr>
-        <p:spPr>
-          <a:xfrm>
-            <a:off x="1249680" y="3139440"/>
-            <a:ext cx="5486400" cy="2743200"/>
-          </a:xfrm>
-          <a:prstGeom prst="rect">
-            <a:avLst/>
-          </a:prstGeom>
-          <a:solidFill>
-            <a:schemeClr val="bg2">
-              <a:lumMod val="10000"/>
-            </a:schemeClr>
-          </a:solidFill>
-          <a:ln w="38100">
-            <a:solidFill>
-              <a:srgbClr val="181717"/>
-            </a:solidFill>
-          </a:ln>
-        </p:spPr>
-        <p:style>
-          <a:lnRef idx="2">
-            <a:schemeClr val="accent1">
-              <a:shade val="50000"/>
-            </a:schemeClr>
-          </a:lnRef>
-          <a:fillRef idx="1">
-            <a:schemeClr val="accent1"/>
-          </a:fillRef>
-          <a:effectRef idx="0">
-            <a:schemeClr val="accent1"/>
-          </a:effectRef>
-          <a:fontRef idx="minor">
-            <a:schemeClr val="lt1"/>
-          </a:fontRef>
-        </p:style>
-        <p:txBody>
-          <a:bodyPr rtlCol="0" anchor="ctr"/>
-          <a:lstStyle/>
-          <a:p>
-            <a:pPr algn="ctr"/>
-            <a:endParaRPr lang="en-US" dirty="0"/>
-          </a:p>
-        </p:txBody>
-      </p:sp>
-      <p:grpSp>
-        <p:nvGrpSpPr>
-          <p:cNvPr id="11" name="Group 10">
-            <a:extLst>
-              <a:ext uri="{FF2B5EF4-FFF2-40B4-BE49-F238E27FC236}">
-                <a16:creationId xmlns:a16="http://schemas.microsoft.com/office/drawing/2014/main" id="{28B16DF0-5519-4CC3-B6FF-B1A65481396F}"/>
-              </a:ext>
-            </a:extLst>
-          </p:cNvPr>
-          <p:cNvGrpSpPr/>
-          <p:nvPr/>
-        </p:nvGrpSpPr>
-        <p:grpSpPr>
-          <a:xfrm>
-            <a:off x="781773" y="1492810"/>
-            <a:ext cx="6459283" cy="2068397"/>
-            <a:chOff x="818844" y="1492810"/>
-            <a:chExt cx="6459283" cy="2068397"/>
-          </a:xfrm>
-        </p:grpSpPr>
-        <p:sp>
-          <p:nvSpPr>
-            <p:cNvPr id="9" name="TextBox 8">
-              <a:extLst>
-                <a:ext uri="{FF2B5EF4-FFF2-40B4-BE49-F238E27FC236}">
-                  <a16:creationId xmlns:a16="http://schemas.microsoft.com/office/drawing/2014/main" id="{44F8CD09-5FFA-422B-9DE7-3F17F3C739E1}"/>
-                </a:ext>
-              </a:extLst>
-            </p:cNvPr>
-            <p:cNvSpPr txBox="1"/>
-            <p:nvPr/>
-          </p:nvSpPr>
-          <p:spPr>
-            <a:xfrm>
-              <a:off x="818844" y="1529882"/>
-              <a:ext cx="6372788" cy="2031325"/>
-            </a:xfrm>
-            <a:prstGeom prst="rect">
-              <a:avLst/>
-            </a:prstGeom>
-            <a:noFill/>
-          </p:spPr>
-          <p:txBody>
-            <a:bodyPr wrap="square" rtlCol="0">
-              <a:spAutoFit/>
-            </a:bodyPr>
-            <a:lstStyle/>
-            <a:p>
-              <a:pPr algn="ctr"/>
-              <a:r>
-                <a:rPr lang="hu-HU" sz="12600" b="1" dirty="0">
-                  <a:solidFill>
-                    <a:srgbClr val="181717"/>
-                  </a:solidFill>
-                  <a:latin typeface="Bahnschrift" panose="020B0502040204020203" pitchFamily="34" charset="0"/>
-                </a:rPr>
-                <a:t>székel</a:t>
-              </a:r>
-              <a:r>
-                <a:rPr lang="hu-HU" sz="12400" b="1" dirty="0">
-                  <a:solidFill>
-                    <a:srgbClr val="FE0100"/>
-                  </a:solidFill>
-                  <a:latin typeface="Bahnschrift" panose="020B0502040204020203" pitchFamily="34" charset="0"/>
-                </a:rPr>
-                <a:t>y</a:t>
-              </a:r>
-              <a:endParaRPr lang="en-US" sz="12400" b="1" dirty="0">
-                <a:solidFill>
-                  <a:srgbClr val="FE0100"/>
-                </a:solidFill>
-                <a:latin typeface="Bahnschrift" panose="020B0502040204020203" pitchFamily="34" charset="0"/>
-              </a:endParaRPr>
-            </a:p>
-          </p:txBody>
-        </p:sp>
-        <p:sp>
-          <p:nvSpPr>
-            <p:cNvPr id="10" name="TextBox 9">
-              <a:extLst>
-                <a:ext uri="{FF2B5EF4-FFF2-40B4-BE49-F238E27FC236}">
-                  <a16:creationId xmlns:a16="http://schemas.microsoft.com/office/drawing/2014/main" id="{C19A3065-E3D5-47F9-8596-5A5A8144D30E}"/>
-                </a:ext>
-              </a:extLst>
-            </p:cNvPr>
-            <p:cNvSpPr txBox="1"/>
-            <p:nvPr/>
-          </p:nvSpPr>
-          <p:spPr>
-            <a:xfrm>
-              <a:off x="5420495" y="1492810"/>
-              <a:ext cx="1857632" cy="2031325"/>
-            </a:xfrm>
-            <a:prstGeom prst="rect">
-              <a:avLst/>
-            </a:prstGeom>
-            <a:noFill/>
-          </p:spPr>
-          <p:txBody>
-            <a:bodyPr wrap="square" rtlCol="0">
-              <a:spAutoFit/>
-            </a:bodyPr>
-            <a:lstStyle/>
-            <a:p>
-              <a:pPr algn="ctr"/>
-              <a:r>
-                <a:rPr lang="hu-HU" sz="12600" b="1" dirty="0">
-                  <a:solidFill>
-                    <a:srgbClr val="181717"/>
-                  </a:solidFill>
-                  <a:latin typeface="Bahnschrift" panose="020B0502040204020203" pitchFamily="34" charset="0"/>
-                </a:rPr>
-                <a:t>v</a:t>
-              </a:r>
-              <a:endParaRPr lang="en-US" sz="12600" b="1" dirty="0">
-                <a:solidFill>
-                  <a:srgbClr val="FE0100"/>
-                </a:solidFill>
-                <a:latin typeface="Bahnschrift" panose="020B0502040204020203" pitchFamily="34" charset="0"/>
-              </a:endParaRPr>
-            </a:p>
-          </p:txBody>
-        </p:sp>
-      </p:grpSp>
-      <p:sp>
-        <p:nvSpPr>
-          <p:cNvPr id="12" name="TextBox 11">
-            <a:extLst>
-              <a:ext uri="{FF2B5EF4-FFF2-40B4-BE49-F238E27FC236}">
-                <a16:creationId xmlns:a16="http://schemas.microsoft.com/office/drawing/2014/main" id="{61B1A7A1-0A0E-47A0-B935-8B052121BAA7}"/>
-              </a:ext>
-            </a:extLst>
-          </p:cNvPr>
-          <p:cNvSpPr txBox="1"/>
-          <p:nvPr/>
-        </p:nvSpPr>
-        <p:spPr>
-          <a:xfrm>
-            <a:off x="2066889" y="2958703"/>
-            <a:ext cx="6372788" cy="2031325"/>
-          </a:xfrm>
-          <a:prstGeom prst="rect">
-            <a:avLst/>
-          </a:prstGeom>
-          <a:noFill/>
-        </p:spPr>
-        <p:txBody>
-          <a:bodyPr wrap="square" rtlCol="0">
-            <a:spAutoFit/>
-          </a:bodyPr>
-          <a:lstStyle/>
-          <a:p>
-            <a:pPr algn="ctr"/>
-            <a:r>
-              <a:rPr lang="hu-HU" sz="12600" b="1" dirty="0">
-                <a:solidFill>
-                  <a:srgbClr val="FE0100"/>
-                </a:solidFill>
-                <a:latin typeface="Bahnschrift" panose="020B0502040204020203" pitchFamily="34" charset="0"/>
-              </a:rPr>
-              <a:t>data</a:t>
-            </a:r>
-            <a:endParaRPr lang="en-US" sz="12600" b="1" dirty="0">
-              <a:solidFill>
-                <a:srgbClr val="FE0100"/>
-              </a:solidFill>
-              <a:latin typeface="Bahnschrift" panose="020B0502040204020203" pitchFamily="34" charset="0"/>
-            </a:endParaRPr>
-          </a:p>
-        </p:txBody>
-      </p:sp>
-      <p:pic>
-        <p:nvPicPr>
-          <p:cNvPr id="14" name="Graphic 13" descr="Network">
-            <a:extLst>
-              <a:ext uri="{FF2B5EF4-FFF2-40B4-BE49-F238E27FC236}">
-                <a16:creationId xmlns:a16="http://schemas.microsoft.com/office/drawing/2014/main" id="{D9F35AC2-426B-44E6-AB33-7BF8DE1C171F}"/>
-              </a:ext>
-            </a:extLst>
-          </p:cNvPr>
-          <p:cNvPicPr>
-            <a:picLocks noChangeAspect="1"/>
-          </p:cNvPicPr>
-          <p:nvPr/>
-        </p:nvPicPr>
-        <p:blipFill>
-          <a:blip r:embed="rId3">
-            <a:extLst>
-              <a:ext uri="{28A0092B-C50C-407E-A947-70E740481C1C}">
-                <a14:useLocalDpi xmlns:a14="http://schemas.microsoft.com/office/drawing/2010/main" val="0"/>
-              </a:ext>
-              <a:ext uri="{96DAC541-7B7A-43D3-8B79-37D633B846F1}">
-                <asvg:svgBlip xmlns:asvg="http://schemas.microsoft.com/office/drawing/2016/SVG/main" r:embed="rId4"/>
-              </a:ext>
-            </a:extLst>
-          </a:blip>
-          <a:stretch>
-            <a:fillRect/>
-          </a:stretch>
-        </p:blipFill>
-        <p:spPr>
-          <a:xfrm>
-            <a:off x="1445972" y="3524135"/>
-            <a:ext cx="1964492" cy="1964492"/>
-          </a:xfrm>
-          <a:prstGeom prst="rect">
-            <a:avLst/>
-          </a:prstGeom>
-        </p:spPr>
-      </p:pic>
-    </p:spTree>
-    <p:extLst>
-      <p:ext uri="{BB962C8B-B14F-4D97-AF65-F5344CB8AC3E}">
-        <p14:creationId xmlns:p14="http://schemas.microsoft.com/office/powerpoint/2010/main" val="3071536742"/>
-      </p:ext>
-    </p:extLst>
-  </p:cSld>
-  <p:clrMapOvr>
-    <a:masterClrMapping/>
-  </p:clrMapOvr>
-</p:sld>
-</file>
-
-<file path=ppt/slides/slide2.xml><?xml version="1.0" encoding="utf-8"?>
-<p:sld xmlns:a="http://schemas.openxmlformats.org/drawingml/2006/main" xmlns:r="http://schemas.openxmlformats.org/officeDocument/2006/relationships" xmlns:p="http://schemas.openxmlformats.org/presentationml/2006/main">
-  <p:cSld>
-    <p:spTree>
-      <p:nvGrpSpPr>
-        <p:cNvPr id="1" name=""/>
-        <p:cNvGrpSpPr/>
-        <p:nvPr/>
-      </p:nvGrpSpPr>
-      <p:grpSpPr>
-        <a:xfrm>
-          <a:off x="0" y="0"/>
-          <a:ext cx="0" cy="0"/>
-          <a:chOff x="0" y="0"/>
-          <a:chExt cx="0" cy="0"/>
-        </a:xfrm>
-      </p:grpSpPr>
-      <p:sp>
-        <p:nvSpPr>
-          <p:cNvPr id="6" name="Rectangle 5">
-            <a:extLst>
-              <a:ext uri="{FF2B5EF4-FFF2-40B4-BE49-F238E27FC236}">
-                <a16:creationId xmlns:a16="http://schemas.microsoft.com/office/drawing/2014/main" id="{D153501A-2596-4F52-816E-02D3A9FC4C87}"/>
-              </a:ext>
-            </a:extLst>
-          </p:cNvPr>
-          <p:cNvSpPr/>
-          <p:nvPr/>
-        </p:nvSpPr>
-        <p:spPr>
-          <a:xfrm>
-            <a:off x="1249680" y="396240"/>
-            <a:ext cx="5486400" cy="2743200"/>
-          </a:xfrm>
-          <a:prstGeom prst="rect">
-            <a:avLst/>
-          </a:prstGeom>
-          <a:solidFill>
-            <a:srgbClr val="FE0100"/>
-          </a:solidFill>
-          <a:ln w="38100">
-            <a:solidFill>
-              <a:srgbClr val="181717"/>
-            </a:solidFill>
-          </a:ln>
-        </p:spPr>
-        <p:style>
-          <a:lnRef idx="2">
-            <a:schemeClr val="accent1">
-              <a:shade val="50000"/>
-            </a:schemeClr>
-          </a:lnRef>
-          <a:fillRef idx="1">
-            <a:schemeClr val="accent1"/>
-          </a:fillRef>
-          <a:effectRef idx="0">
-            <a:schemeClr val="accent1"/>
-          </a:effectRef>
-          <a:fontRef idx="minor">
-            <a:schemeClr val="lt1"/>
-          </a:fontRef>
-        </p:style>
-        <p:txBody>
-          <a:bodyPr rtlCol="0" anchor="ctr"/>
-          <a:lstStyle/>
-          <a:p>
-            <a:pPr algn="ctr"/>
-            <a:endParaRPr lang="en-US" dirty="0"/>
-          </a:p>
-        </p:txBody>
-      </p:sp>
-      <p:sp>
-        <p:nvSpPr>
-          <p:cNvPr id="7" name="Rectangle 6">
-            <a:extLst>
-              <a:ext uri="{FF2B5EF4-FFF2-40B4-BE49-F238E27FC236}">
-                <a16:creationId xmlns:a16="http://schemas.microsoft.com/office/drawing/2014/main" id="{1F97A3E3-A1FE-4B0F-A6E2-279B5BEC22D9}"/>
-              </a:ext>
-            </a:extLst>
-          </p:cNvPr>
-          <p:cNvSpPr/>
-          <p:nvPr/>
-        </p:nvSpPr>
-        <p:spPr>
-          <a:xfrm>
-            <a:off x="1249680" y="3139440"/>
-            <a:ext cx="5486400" cy="2743200"/>
-          </a:xfrm>
-          <a:prstGeom prst="rect">
-            <a:avLst/>
-          </a:prstGeom>
-          <a:solidFill>
-            <a:schemeClr val="bg2">
-              <a:lumMod val="10000"/>
-            </a:schemeClr>
-          </a:solidFill>
-          <a:ln w="38100">
-            <a:solidFill>
-              <a:srgbClr val="181717"/>
-            </a:solidFill>
-          </a:ln>
-        </p:spPr>
-        <p:style>
-          <a:lnRef idx="2">
-            <a:schemeClr val="accent1">
-              <a:shade val="50000"/>
-            </a:schemeClr>
-          </a:lnRef>
-          <a:fillRef idx="1">
-            <a:schemeClr val="accent1"/>
-          </a:fillRef>
-          <a:effectRef idx="0">
-            <a:schemeClr val="accent1"/>
-          </a:effectRef>
-          <a:fontRef idx="minor">
-            <a:schemeClr val="lt1"/>
-          </a:fontRef>
-        </p:style>
-        <p:txBody>
-          <a:bodyPr rtlCol="0" anchor="ctr"/>
-          <a:lstStyle/>
-          <a:p>
-            <a:pPr algn="ctr"/>
-            <a:endParaRPr lang="en-US" dirty="0"/>
-          </a:p>
-        </p:txBody>
-      </p:sp>
-      <p:grpSp>
-        <p:nvGrpSpPr>
-          <p:cNvPr id="11" name="Group 10">
-            <a:extLst>
-              <a:ext uri="{FF2B5EF4-FFF2-40B4-BE49-F238E27FC236}">
-                <a16:creationId xmlns:a16="http://schemas.microsoft.com/office/drawing/2014/main" id="{28B16DF0-5519-4CC3-B6FF-B1A65481396F}"/>
-              </a:ext>
-            </a:extLst>
-          </p:cNvPr>
-          <p:cNvGrpSpPr/>
-          <p:nvPr/>
-        </p:nvGrpSpPr>
-        <p:grpSpPr>
-          <a:xfrm>
-            <a:off x="781773" y="1492810"/>
-            <a:ext cx="6459283" cy="2068397"/>
-            <a:chOff x="818844" y="1492810"/>
-            <a:chExt cx="6459283" cy="2068397"/>
-          </a:xfrm>
-        </p:grpSpPr>
-        <p:sp>
-          <p:nvSpPr>
-            <p:cNvPr id="9" name="TextBox 8">
-              <a:extLst>
-                <a:ext uri="{FF2B5EF4-FFF2-40B4-BE49-F238E27FC236}">
-                  <a16:creationId xmlns:a16="http://schemas.microsoft.com/office/drawing/2014/main" id="{44F8CD09-5FFA-422B-9DE7-3F17F3C739E1}"/>
-                </a:ext>
-              </a:extLst>
-            </p:cNvPr>
-            <p:cNvSpPr txBox="1"/>
-            <p:nvPr/>
-          </p:nvSpPr>
-          <p:spPr>
-            <a:xfrm>
-              <a:off x="818844" y="1529882"/>
-              <a:ext cx="6372788" cy="2031325"/>
-            </a:xfrm>
-            <a:prstGeom prst="rect">
-              <a:avLst/>
-            </a:prstGeom>
-            <a:noFill/>
-          </p:spPr>
-          <p:txBody>
-            <a:bodyPr wrap="square" rtlCol="0">
-              <a:spAutoFit/>
-            </a:bodyPr>
-            <a:lstStyle/>
-            <a:p>
-              <a:pPr algn="ctr"/>
-              <a:r>
-                <a:rPr lang="hu-HU" sz="12600" dirty="0">
-                  <a:solidFill>
-                    <a:srgbClr val="181717"/>
-                  </a:solidFill>
-                  <a:latin typeface="Bahnschrift" panose="020B0502040204020203" pitchFamily="34" charset="0"/>
-                </a:rPr>
-                <a:t>székel</a:t>
-              </a:r>
-              <a:r>
-                <a:rPr lang="hu-HU" sz="12400" dirty="0">
-                  <a:solidFill>
-                    <a:srgbClr val="FE0100"/>
-                  </a:solidFill>
-                  <a:latin typeface="Bahnschrift" panose="020B0502040204020203" pitchFamily="34" charset="0"/>
-                </a:rPr>
-                <a:t>y</a:t>
-              </a:r>
-              <a:endParaRPr lang="en-US" sz="12400" dirty="0">
-                <a:solidFill>
-                  <a:srgbClr val="FE0100"/>
-                </a:solidFill>
-                <a:latin typeface="Bahnschrift" panose="020B0502040204020203" pitchFamily="34" charset="0"/>
-              </a:endParaRPr>
-            </a:p>
-          </p:txBody>
-        </p:sp>
-        <p:sp>
-          <p:nvSpPr>
-            <p:cNvPr id="10" name="TextBox 9">
-              <a:extLst>
-                <a:ext uri="{FF2B5EF4-FFF2-40B4-BE49-F238E27FC236}">
-                  <a16:creationId xmlns:a16="http://schemas.microsoft.com/office/drawing/2014/main" id="{C19A3065-E3D5-47F9-8596-5A5A8144D30E}"/>
-                </a:ext>
-              </a:extLst>
-            </p:cNvPr>
-            <p:cNvSpPr txBox="1"/>
-            <p:nvPr/>
-          </p:nvSpPr>
-          <p:spPr>
-            <a:xfrm>
-              <a:off x="5420495" y="1492810"/>
-              <a:ext cx="1857632" cy="2031325"/>
-            </a:xfrm>
-            <a:prstGeom prst="rect">
-              <a:avLst/>
-            </a:prstGeom>
-            <a:noFill/>
-          </p:spPr>
-          <p:txBody>
-            <a:bodyPr wrap="square" rtlCol="0">
-              <a:spAutoFit/>
-            </a:bodyPr>
-            <a:lstStyle/>
-            <a:p>
-              <a:pPr algn="ctr"/>
-              <a:r>
-                <a:rPr lang="hu-HU" sz="12600" dirty="0">
-                  <a:solidFill>
-                    <a:srgbClr val="181717"/>
-                  </a:solidFill>
-                  <a:latin typeface="Bahnschrift" panose="020B0502040204020203" pitchFamily="34" charset="0"/>
-                </a:rPr>
-                <a:t>v</a:t>
-              </a:r>
-              <a:endParaRPr lang="en-US" sz="12600" dirty="0">
-                <a:solidFill>
-                  <a:srgbClr val="FE0100"/>
-                </a:solidFill>
-                <a:latin typeface="Bahnschrift" panose="020B0502040204020203" pitchFamily="34" charset="0"/>
-              </a:endParaRPr>
-            </a:p>
-          </p:txBody>
-        </p:sp>
-      </p:grpSp>
-      <p:sp>
-        <p:nvSpPr>
-          <p:cNvPr id="12" name="TextBox 11">
-            <a:extLst>
-              <a:ext uri="{FF2B5EF4-FFF2-40B4-BE49-F238E27FC236}">
-                <a16:creationId xmlns:a16="http://schemas.microsoft.com/office/drawing/2014/main" id="{61B1A7A1-0A0E-47A0-B935-8B052121BAA7}"/>
-              </a:ext>
-            </a:extLst>
-          </p:cNvPr>
-          <p:cNvSpPr txBox="1"/>
-          <p:nvPr/>
-        </p:nvSpPr>
-        <p:spPr>
-          <a:xfrm>
-            <a:off x="2824761" y="3347810"/>
-            <a:ext cx="4120560" cy="2031325"/>
-          </a:xfrm>
-          <a:prstGeom prst="rect">
-            <a:avLst/>
-          </a:prstGeom>
-          <a:noFill/>
-        </p:spPr>
-        <p:txBody>
-          <a:bodyPr wrap="square" rtlCol="0">
-            <a:spAutoFit/>
-          </a:bodyPr>
-          <a:lstStyle/>
-          <a:p>
-            <a:pPr algn="ctr"/>
-            <a:r>
-              <a:rPr lang="hu-HU" sz="12600" dirty="0">
-                <a:solidFill>
-                  <a:srgbClr val="FE0100"/>
-                </a:solidFill>
-                <a:latin typeface="Bahnschrift" panose="020B0502040204020203" pitchFamily="34" charset="0"/>
-              </a:rPr>
-              <a:t>data</a:t>
-            </a:r>
-            <a:endParaRPr lang="en-US" sz="12600" dirty="0">
-              <a:solidFill>
-                <a:srgbClr val="FE0100"/>
-              </a:solidFill>
-              <a:latin typeface="Bahnschrift" panose="020B0502040204020203" pitchFamily="34" charset="0"/>
-            </a:endParaRPr>
-          </a:p>
-        </p:txBody>
-      </p:sp>
-      <p:pic>
-        <p:nvPicPr>
-          <p:cNvPr id="3" name="Graphic 2" descr="Snowflake">
-            <a:extLst>
-              <a:ext uri="{FF2B5EF4-FFF2-40B4-BE49-F238E27FC236}">
-                <a16:creationId xmlns:a16="http://schemas.microsoft.com/office/drawing/2014/main" id="{35F762FA-CF4C-4340-8C43-F171F35AED9C}"/>
-              </a:ext>
-            </a:extLst>
-          </p:cNvPr>
-          <p:cNvPicPr>
-            <a:picLocks noChangeAspect="1"/>
-          </p:cNvPicPr>
-          <p:nvPr/>
-        </p:nvPicPr>
-        <p:blipFill>
-          <a:blip r:embed="rId2">
-            <a:extLst>
-              <a:ext uri="{28A0092B-C50C-407E-A947-70E740481C1C}">
-                <a14:useLocalDpi xmlns:a14="http://schemas.microsoft.com/office/drawing/2010/main" val="0"/>
-              </a:ext>
-              <a:ext uri="{96DAC541-7B7A-43D3-8B79-37D633B846F1}">
-                <asvg:svgBlip xmlns:asvg="http://schemas.microsoft.com/office/drawing/2016/SVG/main" r:embed="rId3"/>
-              </a:ext>
-            </a:extLst>
-          </a:blip>
-          <a:stretch>
-            <a:fillRect/>
-          </a:stretch>
-        </p:blipFill>
-        <p:spPr>
-          <a:xfrm>
-            <a:off x="1249680" y="3487939"/>
-            <a:ext cx="2148428" cy="2148428"/>
-          </a:xfrm>
-          <a:prstGeom prst="rect">
-            <a:avLst/>
-          </a:prstGeom>
-        </p:spPr>
-      </p:pic>
-    </p:spTree>
-    <p:extLst>
-      <p:ext uri="{BB962C8B-B14F-4D97-AF65-F5344CB8AC3E}">
-        <p14:creationId xmlns:p14="http://schemas.microsoft.com/office/powerpoint/2010/main" val="2387789936"/>
-      </p:ext>
-    </p:extLst>
-  </p:cSld>
-  <p:clrMapOvr>
-    <a:masterClrMapping/>
-  </p:clrMapOvr>
-</p:sld>
-</file>
-
-<file path=ppt/slides/slide3.xml><?xml version="1.0" encoding="utf-8"?>
-<p:sld xmlns:a="http://schemas.openxmlformats.org/drawingml/2006/main" xmlns:r="http://schemas.openxmlformats.org/officeDocument/2006/relationships" xmlns:p="http://schemas.openxmlformats.org/presentationml/2006/main">
-  <p:cSld>
-    <p:spTree>
-      <p:nvGrpSpPr>
-        <p:cNvPr id="1" name=""/>
-        <p:cNvGrpSpPr/>
-        <p:nvPr/>
-      </p:nvGrpSpPr>
-      <p:grpSpPr>
-        <a:xfrm>
-          <a:off x="0" y="0"/>
-          <a:ext cx="0" cy="0"/>
-          <a:chOff x="0" y="0"/>
-          <a:chExt cx="0" cy="0"/>
-        </a:xfrm>
-      </p:grpSpPr>
-      <p:sp>
-        <p:nvSpPr>
-          <p:cNvPr id="6" name="Rectangle 5">
-            <a:extLst>
-              <a:ext uri="{FF2B5EF4-FFF2-40B4-BE49-F238E27FC236}">
-                <a16:creationId xmlns:a16="http://schemas.microsoft.com/office/drawing/2014/main" id="{D153501A-2596-4F52-816E-02D3A9FC4C87}"/>
-              </a:ext>
-            </a:extLst>
-          </p:cNvPr>
-          <p:cNvSpPr/>
-          <p:nvPr/>
-        </p:nvSpPr>
-        <p:spPr>
-          <a:xfrm>
-            <a:off x="1249680" y="396240"/>
-            <a:ext cx="5486400" cy="2743200"/>
-          </a:xfrm>
-          <a:prstGeom prst="rect">
-            <a:avLst/>
-          </a:prstGeom>
-          <a:solidFill>
-            <a:srgbClr val="FE0100"/>
-          </a:solidFill>
-          <a:ln w="38100">
-            <a:solidFill>
-              <a:srgbClr val="181717"/>
-            </a:solidFill>
-          </a:ln>
-        </p:spPr>
-        <p:style>
-          <a:lnRef idx="2">
-            <a:schemeClr val="accent1">
-              <a:shade val="50000"/>
-            </a:schemeClr>
-          </a:lnRef>
-          <a:fillRef idx="1">
-            <a:schemeClr val="accent1"/>
-          </a:fillRef>
-          <a:effectRef idx="0">
-            <a:schemeClr val="accent1"/>
-          </a:effectRef>
-          <a:fontRef idx="minor">
-            <a:schemeClr val="lt1"/>
-          </a:fontRef>
-        </p:style>
-        <p:txBody>
-          <a:bodyPr rtlCol="0" anchor="ctr"/>
-          <a:lstStyle/>
-          <a:p>
-            <a:pPr algn="ctr"/>
-            <a:endParaRPr lang="en-US" dirty="0"/>
-          </a:p>
-        </p:txBody>
-      </p:sp>
-      <p:sp>
-        <p:nvSpPr>
-          <p:cNvPr id="7" name="Rectangle 6">
-            <a:extLst>
-              <a:ext uri="{FF2B5EF4-FFF2-40B4-BE49-F238E27FC236}">
-                <a16:creationId xmlns:a16="http://schemas.microsoft.com/office/drawing/2014/main" id="{1F97A3E3-A1FE-4B0F-A6E2-279B5BEC22D9}"/>
-              </a:ext>
-            </a:extLst>
-          </p:cNvPr>
-          <p:cNvSpPr/>
-          <p:nvPr/>
-        </p:nvSpPr>
-        <p:spPr>
-          <a:xfrm>
-            <a:off x="1249680" y="3139440"/>
-            <a:ext cx="5486400" cy="2743200"/>
-          </a:xfrm>
-          <a:prstGeom prst="rect">
-            <a:avLst/>
-          </a:prstGeom>
-          <a:solidFill>
-            <a:schemeClr val="bg2">
-              <a:lumMod val="10000"/>
-            </a:schemeClr>
-          </a:solidFill>
-          <a:ln w="38100">
-            <a:solidFill>
-              <a:srgbClr val="181717"/>
-            </a:solidFill>
-          </a:ln>
-        </p:spPr>
-        <p:style>
-          <a:lnRef idx="2">
-            <a:schemeClr val="accent1">
-              <a:shade val="50000"/>
-            </a:schemeClr>
-          </a:lnRef>
-          <a:fillRef idx="1">
-            <a:schemeClr val="accent1"/>
-          </a:fillRef>
-          <a:effectRef idx="0">
-            <a:schemeClr val="accent1"/>
-          </a:effectRef>
-          <a:fontRef idx="minor">
-            <a:schemeClr val="lt1"/>
-          </a:fontRef>
-        </p:style>
-        <p:txBody>
-          <a:bodyPr rtlCol="0" anchor="ctr"/>
-          <a:lstStyle/>
-          <a:p>
-            <a:pPr algn="ctr"/>
-            <a:endParaRPr lang="en-US" dirty="0"/>
-          </a:p>
-        </p:txBody>
-      </p:sp>
-      <p:grpSp>
-        <p:nvGrpSpPr>
-          <p:cNvPr id="11" name="Group 10">
-            <a:extLst>
-              <a:ext uri="{FF2B5EF4-FFF2-40B4-BE49-F238E27FC236}">
-                <a16:creationId xmlns:a16="http://schemas.microsoft.com/office/drawing/2014/main" id="{28B16DF0-5519-4CC3-B6FF-B1A65481396F}"/>
-              </a:ext>
-            </a:extLst>
-          </p:cNvPr>
-          <p:cNvGrpSpPr/>
-          <p:nvPr/>
-        </p:nvGrpSpPr>
-        <p:grpSpPr>
-          <a:xfrm>
-            <a:off x="781773" y="1492810"/>
-            <a:ext cx="6459283" cy="2068397"/>
-            <a:chOff x="818844" y="1492810"/>
-            <a:chExt cx="6459283" cy="2068397"/>
-          </a:xfrm>
-        </p:grpSpPr>
-        <p:sp>
-          <p:nvSpPr>
-            <p:cNvPr id="9" name="TextBox 8">
-              <a:extLst>
-                <a:ext uri="{FF2B5EF4-FFF2-40B4-BE49-F238E27FC236}">
-                  <a16:creationId xmlns:a16="http://schemas.microsoft.com/office/drawing/2014/main" id="{44F8CD09-5FFA-422B-9DE7-3F17F3C739E1}"/>
-                </a:ext>
-              </a:extLst>
-            </p:cNvPr>
-            <p:cNvSpPr txBox="1"/>
-            <p:nvPr/>
-          </p:nvSpPr>
-          <p:spPr>
-            <a:xfrm>
-              <a:off x="818844" y="1529882"/>
-              <a:ext cx="6372788" cy="2031325"/>
-            </a:xfrm>
-            <a:prstGeom prst="rect">
-              <a:avLst/>
-            </a:prstGeom>
-            <a:noFill/>
-          </p:spPr>
-          <p:txBody>
-            <a:bodyPr wrap="square" rtlCol="0">
-              <a:spAutoFit/>
-            </a:bodyPr>
-            <a:lstStyle/>
-            <a:p>
-              <a:pPr algn="ctr"/>
-              <a:r>
-                <a:rPr lang="hu-HU" sz="12600" b="1" dirty="0">
-                  <a:solidFill>
-                    <a:srgbClr val="181717"/>
-                  </a:solidFill>
-                  <a:latin typeface="Bahnschrift" panose="020B0502040204020203" pitchFamily="34" charset="0"/>
-                </a:rPr>
-                <a:t>székel</a:t>
-              </a:r>
-              <a:r>
-                <a:rPr lang="hu-HU" sz="12400" b="1" dirty="0">
-                  <a:solidFill>
-                    <a:srgbClr val="FE0100"/>
-                  </a:solidFill>
-                  <a:latin typeface="Bahnschrift" panose="020B0502040204020203" pitchFamily="34" charset="0"/>
-                </a:rPr>
-                <a:t>y</a:t>
-              </a:r>
-              <a:endParaRPr lang="en-US" sz="12400" b="1" dirty="0">
-                <a:solidFill>
-                  <a:srgbClr val="FE0100"/>
-                </a:solidFill>
-                <a:latin typeface="Bahnschrift" panose="020B0502040204020203" pitchFamily="34" charset="0"/>
-              </a:endParaRPr>
-            </a:p>
-          </p:txBody>
-        </p:sp>
-        <p:sp>
-          <p:nvSpPr>
-            <p:cNvPr id="10" name="TextBox 9">
-              <a:extLst>
-                <a:ext uri="{FF2B5EF4-FFF2-40B4-BE49-F238E27FC236}">
-                  <a16:creationId xmlns:a16="http://schemas.microsoft.com/office/drawing/2014/main" id="{C19A3065-E3D5-47F9-8596-5A5A8144D30E}"/>
-                </a:ext>
-              </a:extLst>
-            </p:cNvPr>
-            <p:cNvSpPr txBox="1"/>
-            <p:nvPr/>
-          </p:nvSpPr>
-          <p:spPr>
-            <a:xfrm>
-              <a:off x="5420495" y="1492810"/>
-              <a:ext cx="1857632" cy="2031325"/>
-            </a:xfrm>
-            <a:prstGeom prst="rect">
-              <a:avLst/>
-            </a:prstGeom>
-            <a:noFill/>
-          </p:spPr>
-          <p:txBody>
-            <a:bodyPr wrap="square" rtlCol="0">
-              <a:spAutoFit/>
-            </a:bodyPr>
-            <a:lstStyle/>
-            <a:p>
-              <a:pPr algn="ctr"/>
-              <a:r>
-                <a:rPr lang="hu-HU" sz="12600" b="1" dirty="0">
-                  <a:solidFill>
-                    <a:srgbClr val="181717"/>
-                  </a:solidFill>
-                  <a:latin typeface="Bahnschrift" panose="020B0502040204020203" pitchFamily="34" charset="0"/>
-                </a:rPr>
-                <a:t>v</a:t>
-              </a:r>
-              <a:endParaRPr lang="en-US" sz="12600" b="1" dirty="0">
-                <a:solidFill>
-                  <a:srgbClr val="FE0100"/>
-                </a:solidFill>
-                <a:latin typeface="Bahnschrift" panose="020B0502040204020203" pitchFamily="34" charset="0"/>
-              </a:endParaRPr>
-            </a:p>
-          </p:txBody>
-        </p:sp>
-      </p:grpSp>
-      <p:sp>
-        <p:nvSpPr>
-          <p:cNvPr id="12" name="TextBox 11">
-            <a:extLst>
-              <a:ext uri="{FF2B5EF4-FFF2-40B4-BE49-F238E27FC236}">
-                <a16:creationId xmlns:a16="http://schemas.microsoft.com/office/drawing/2014/main" id="{61B1A7A1-0A0E-47A0-B935-8B052121BAA7}"/>
-              </a:ext>
-            </a:extLst>
-          </p:cNvPr>
-          <p:cNvSpPr txBox="1"/>
-          <p:nvPr/>
-        </p:nvSpPr>
-        <p:spPr>
-          <a:xfrm>
-            <a:off x="2824761" y="3347810"/>
-            <a:ext cx="4120560" cy="2031325"/>
-          </a:xfrm>
-          <a:prstGeom prst="rect">
-            <a:avLst/>
-          </a:prstGeom>
-          <a:noFill/>
-        </p:spPr>
-        <p:txBody>
-          <a:bodyPr wrap="square" rtlCol="0">
-            <a:spAutoFit/>
-          </a:bodyPr>
-          <a:lstStyle/>
-          <a:p>
-            <a:pPr algn="ctr"/>
-            <a:r>
-              <a:rPr lang="hu-HU" sz="12600" b="1" dirty="0">
-                <a:solidFill>
-                  <a:srgbClr val="FE0100"/>
-                </a:solidFill>
-                <a:latin typeface="Bahnschrift" panose="020B0502040204020203" pitchFamily="34" charset="0"/>
-              </a:rPr>
-              <a:t>data</a:t>
-            </a:r>
-            <a:endParaRPr lang="en-US" sz="12600" b="1" dirty="0">
-              <a:solidFill>
-                <a:srgbClr val="FE0100"/>
-              </a:solidFill>
-              <a:latin typeface="Bahnschrift" panose="020B0502040204020203" pitchFamily="34" charset="0"/>
-            </a:endParaRPr>
-          </a:p>
-        </p:txBody>
-      </p:sp>
-      <p:pic>
-        <p:nvPicPr>
-          <p:cNvPr id="3" name="Graphic 2" descr="Snowflake">
-            <a:extLst>
-              <a:ext uri="{FF2B5EF4-FFF2-40B4-BE49-F238E27FC236}">
-                <a16:creationId xmlns:a16="http://schemas.microsoft.com/office/drawing/2014/main" id="{35F762FA-CF4C-4340-8C43-F171F35AED9C}"/>
-              </a:ext>
-            </a:extLst>
-          </p:cNvPr>
-          <p:cNvPicPr>
-            <a:picLocks noChangeAspect="1"/>
-          </p:cNvPicPr>
-          <p:nvPr/>
-        </p:nvPicPr>
-        <p:blipFill>
-          <a:blip r:embed="rId2">
-            <a:extLst>
-              <a:ext uri="{28A0092B-C50C-407E-A947-70E740481C1C}">
-                <a14:useLocalDpi xmlns:a14="http://schemas.microsoft.com/office/drawing/2010/main" val="0"/>
-              </a:ext>
-              <a:ext uri="{96DAC541-7B7A-43D3-8B79-37D633B846F1}">
-                <asvg:svgBlip xmlns:asvg="http://schemas.microsoft.com/office/drawing/2016/SVG/main" r:embed="rId3"/>
-              </a:ext>
-            </a:extLst>
-          </a:blip>
-          <a:stretch>
-            <a:fillRect/>
-          </a:stretch>
-        </p:blipFill>
-        <p:spPr>
-          <a:xfrm>
-            <a:off x="1249680" y="3487939"/>
-            <a:ext cx="2148428" cy="2148428"/>
-          </a:xfrm>
-          <a:prstGeom prst="rect">
-            <a:avLst/>
-          </a:prstGeom>
-        </p:spPr>
-      </p:pic>
-    </p:spTree>
-    <p:extLst>
-      <p:ext uri="{BB962C8B-B14F-4D97-AF65-F5344CB8AC3E}">
-        <p14:creationId xmlns:p14="http://schemas.microsoft.com/office/powerpoint/2010/main" val="3665364176"/>
-      </p:ext>
-    </p:extLst>
-  </p:cSld>
-  <p:clrMapOvr>
-    <a:masterClrMapping/>
-  </p:clrMapOvr>
-</p:sld>
-</file>
-
-<file path=ppt/slides/slide4.xml><?xml version="1.0" encoding="utf-8"?>
-<p:sld xmlns:a="http://schemas.openxmlformats.org/drawingml/2006/main" xmlns:r="http://schemas.openxmlformats.org/officeDocument/2006/relationships" xmlns:p="http://schemas.openxmlformats.org/presentationml/2006/main">
-  <p:cSld>
-    <p:spTree>
-      <p:nvGrpSpPr>
-        <p:cNvPr id="1" name=""/>
-        <p:cNvGrpSpPr/>
-        <p:nvPr/>
-      </p:nvGrpSpPr>
-      <p:grpSpPr>
-        <a:xfrm>
-          <a:off x="0" y="0"/>
-          <a:ext cx="0" cy="0"/>
-          <a:chOff x="0" y="0"/>
-          <a:chExt cx="0" cy="0"/>
-        </a:xfrm>
-      </p:grpSpPr>
-      <p:sp>
-        <p:nvSpPr>
-          <p:cNvPr id="6" name="Rectangle 5">
-            <a:extLst>
-              <a:ext uri="{FF2B5EF4-FFF2-40B4-BE49-F238E27FC236}">
-                <a16:creationId xmlns:a16="http://schemas.microsoft.com/office/drawing/2014/main" id="{D153501A-2596-4F52-816E-02D3A9FC4C87}"/>
-              </a:ext>
-            </a:extLst>
-          </p:cNvPr>
-          <p:cNvSpPr/>
-          <p:nvPr/>
-        </p:nvSpPr>
-        <p:spPr>
-          <a:xfrm>
-            <a:off x="1249680" y="396240"/>
-            <a:ext cx="5486400" cy="2743200"/>
-          </a:xfrm>
-          <a:prstGeom prst="rect">
-            <a:avLst/>
-          </a:prstGeom>
-          <a:solidFill>
-            <a:srgbClr val="FE0100"/>
-          </a:solidFill>
-          <a:ln w="38100">
-            <a:solidFill>
-              <a:srgbClr val="181717"/>
-            </a:solidFill>
-          </a:ln>
-        </p:spPr>
-        <p:style>
-          <a:lnRef idx="2">
-            <a:schemeClr val="accent1">
-              <a:shade val="50000"/>
-            </a:schemeClr>
-          </a:lnRef>
-          <a:fillRef idx="1">
-            <a:schemeClr val="accent1"/>
-          </a:fillRef>
-          <a:effectRef idx="0">
-            <a:schemeClr val="accent1"/>
-          </a:effectRef>
-          <a:fontRef idx="minor">
-            <a:schemeClr val="lt1"/>
-          </a:fontRef>
-        </p:style>
-        <p:txBody>
-          <a:bodyPr rtlCol="0" anchor="ctr"/>
-          <a:lstStyle/>
-          <a:p>
-            <a:pPr algn="ctr"/>
-            <a:endParaRPr lang="en-US" dirty="0"/>
-          </a:p>
-        </p:txBody>
-      </p:sp>
-      <p:sp>
-        <p:nvSpPr>
-          <p:cNvPr id="7" name="Rectangle 6">
-            <a:extLst>
-              <a:ext uri="{FF2B5EF4-FFF2-40B4-BE49-F238E27FC236}">
-                <a16:creationId xmlns:a16="http://schemas.microsoft.com/office/drawing/2014/main" id="{1F97A3E3-A1FE-4B0F-A6E2-279B5BEC22D9}"/>
-              </a:ext>
-            </a:extLst>
-          </p:cNvPr>
-          <p:cNvSpPr/>
-          <p:nvPr/>
-        </p:nvSpPr>
-        <p:spPr>
-          <a:xfrm>
-            <a:off x="1249680" y="3139440"/>
-            <a:ext cx="5486400" cy="2743200"/>
-          </a:xfrm>
-          <a:prstGeom prst="rect">
-            <a:avLst/>
-          </a:prstGeom>
-          <a:solidFill>
-            <a:schemeClr val="bg2">
-              <a:lumMod val="10000"/>
-            </a:schemeClr>
-          </a:solidFill>
-          <a:ln w="38100">
-            <a:solidFill>
-              <a:srgbClr val="181717"/>
-            </a:solidFill>
-          </a:ln>
-        </p:spPr>
-        <p:style>
-          <a:lnRef idx="2">
-            <a:schemeClr val="accent1">
-              <a:shade val="50000"/>
-            </a:schemeClr>
-          </a:lnRef>
-          <a:fillRef idx="1">
-            <a:schemeClr val="accent1"/>
-          </a:fillRef>
-          <a:effectRef idx="0">
-            <a:schemeClr val="accent1"/>
-          </a:effectRef>
-          <a:fontRef idx="minor">
-            <a:schemeClr val="lt1"/>
-          </a:fontRef>
-        </p:style>
-        <p:txBody>
-          <a:bodyPr rtlCol="0" anchor="ctr"/>
-          <a:lstStyle/>
-          <a:p>
-            <a:pPr algn="ctr"/>
-            <a:endParaRPr lang="en-US" dirty="0"/>
-          </a:p>
-        </p:txBody>
-      </p:sp>
-      <p:grpSp>
-        <p:nvGrpSpPr>
-          <p:cNvPr id="11" name="Group 10">
-            <a:extLst>
-              <a:ext uri="{FF2B5EF4-FFF2-40B4-BE49-F238E27FC236}">
-                <a16:creationId xmlns:a16="http://schemas.microsoft.com/office/drawing/2014/main" id="{28B16DF0-5519-4CC3-B6FF-B1A65481396F}"/>
-              </a:ext>
-            </a:extLst>
-          </p:cNvPr>
-          <p:cNvGrpSpPr/>
-          <p:nvPr/>
-        </p:nvGrpSpPr>
-        <p:grpSpPr>
-          <a:xfrm>
-            <a:off x="781773" y="1492810"/>
-            <a:ext cx="6459283" cy="2068397"/>
-            <a:chOff x="818844" y="1492810"/>
-            <a:chExt cx="6459283" cy="2068397"/>
-          </a:xfrm>
-        </p:grpSpPr>
-        <p:sp>
-          <p:nvSpPr>
-            <p:cNvPr id="9" name="TextBox 8">
-              <a:extLst>
-                <a:ext uri="{FF2B5EF4-FFF2-40B4-BE49-F238E27FC236}">
-                  <a16:creationId xmlns:a16="http://schemas.microsoft.com/office/drawing/2014/main" id="{44F8CD09-5FFA-422B-9DE7-3F17F3C739E1}"/>
-                </a:ext>
-              </a:extLst>
-            </p:cNvPr>
-            <p:cNvSpPr txBox="1"/>
-            <p:nvPr/>
-          </p:nvSpPr>
-          <p:spPr>
-            <a:xfrm>
-              <a:off x="818844" y="1529882"/>
-              <a:ext cx="6372788" cy="2031325"/>
-            </a:xfrm>
-            <a:prstGeom prst="rect">
-              <a:avLst/>
-            </a:prstGeom>
-            <a:noFill/>
-          </p:spPr>
-          <p:txBody>
-            <a:bodyPr wrap="square" rtlCol="0">
-              <a:spAutoFit/>
-            </a:bodyPr>
-            <a:lstStyle/>
-            <a:p>
-              <a:pPr algn="ctr"/>
-              <a:r>
-                <a:rPr lang="hu-HU" sz="12600" dirty="0">
-                  <a:solidFill>
-                    <a:srgbClr val="181717"/>
-                  </a:solidFill>
-                  <a:latin typeface="Bahnschrift" panose="020B0502040204020203" pitchFamily="34" charset="0"/>
-                </a:rPr>
-                <a:t>székel</a:t>
-              </a:r>
-              <a:r>
-                <a:rPr lang="hu-HU" sz="12400" dirty="0">
-                  <a:solidFill>
-                    <a:srgbClr val="FE0100"/>
-                  </a:solidFill>
-                  <a:latin typeface="Bahnschrift" panose="020B0502040204020203" pitchFamily="34" charset="0"/>
-                </a:rPr>
-                <a:t>y</a:t>
-              </a:r>
-              <a:endParaRPr lang="en-US" sz="12400" dirty="0">
-                <a:solidFill>
-                  <a:srgbClr val="FE0100"/>
-                </a:solidFill>
-                <a:latin typeface="Bahnschrift" panose="020B0502040204020203" pitchFamily="34" charset="0"/>
-              </a:endParaRPr>
-            </a:p>
-          </p:txBody>
-        </p:sp>
-        <p:sp>
-          <p:nvSpPr>
-            <p:cNvPr id="10" name="TextBox 9">
-              <a:extLst>
-                <a:ext uri="{FF2B5EF4-FFF2-40B4-BE49-F238E27FC236}">
-                  <a16:creationId xmlns:a16="http://schemas.microsoft.com/office/drawing/2014/main" id="{C19A3065-E3D5-47F9-8596-5A5A8144D30E}"/>
-                </a:ext>
-              </a:extLst>
-            </p:cNvPr>
-            <p:cNvSpPr txBox="1"/>
-            <p:nvPr/>
-          </p:nvSpPr>
-          <p:spPr>
-            <a:xfrm>
-              <a:off x="5420495" y="1492810"/>
-              <a:ext cx="1857632" cy="2031325"/>
-            </a:xfrm>
-            <a:prstGeom prst="rect">
-              <a:avLst/>
-            </a:prstGeom>
-            <a:noFill/>
-          </p:spPr>
-          <p:txBody>
-            <a:bodyPr wrap="square" rtlCol="0">
-              <a:spAutoFit/>
-            </a:bodyPr>
-            <a:lstStyle/>
-            <a:p>
-              <a:pPr algn="ctr"/>
-              <a:r>
-                <a:rPr lang="hu-HU" sz="12600" dirty="0">
-                  <a:solidFill>
-                    <a:srgbClr val="181717"/>
-                  </a:solidFill>
-                  <a:latin typeface="Bahnschrift" panose="020B0502040204020203" pitchFamily="34" charset="0"/>
-                </a:rPr>
-                <a:t>v</a:t>
-              </a:r>
-              <a:endParaRPr lang="en-US" sz="12600" dirty="0">
-                <a:solidFill>
-                  <a:srgbClr val="FE0100"/>
-                </a:solidFill>
-                <a:latin typeface="Bahnschrift" panose="020B0502040204020203" pitchFamily="34" charset="0"/>
-              </a:endParaRPr>
-            </a:p>
-          </p:txBody>
-        </p:sp>
-      </p:grpSp>
-      <p:sp>
-        <p:nvSpPr>
-          <p:cNvPr id="12" name="TextBox 11">
-            <a:extLst>
-              <a:ext uri="{FF2B5EF4-FFF2-40B4-BE49-F238E27FC236}">
-                <a16:creationId xmlns:a16="http://schemas.microsoft.com/office/drawing/2014/main" id="{61B1A7A1-0A0E-47A0-B935-8B052121BAA7}"/>
-              </a:ext>
-            </a:extLst>
-          </p:cNvPr>
-          <p:cNvSpPr txBox="1"/>
-          <p:nvPr/>
-        </p:nvSpPr>
-        <p:spPr>
-          <a:xfrm>
-            <a:off x="2824761" y="3347810"/>
-            <a:ext cx="4120560" cy="2031325"/>
-          </a:xfrm>
-          <a:prstGeom prst="rect">
-            <a:avLst/>
-          </a:prstGeom>
-          <a:noFill/>
-        </p:spPr>
-        <p:txBody>
-          <a:bodyPr wrap="square" rtlCol="0">
-            <a:spAutoFit/>
-          </a:bodyPr>
-          <a:lstStyle/>
-          <a:p>
-            <a:pPr algn="ctr"/>
-            <a:r>
-              <a:rPr lang="hu-HU" sz="12600" dirty="0">
-                <a:solidFill>
-                  <a:srgbClr val="FE0100"/>
-                </a:solidFill>
-                <a:latin typeface="Bahnschrift" panose="020B0502040204020203" pitchFamily="34" charset="0"/>
-              </a:rPr>
-              <a:t>data</a:t>
-            </a:r>
-            <a:endParaRPr lang="en-US" sz="12600" dirty="0">
-              <a:solidFill>
-                <a:srgbClr val="FE0100"/>
-              </a:solidFill>
-              <a:latin typeface="Bahnschrift" panose="020B0502040204020203" pitchFamily="34" charset="0"/>
-            </a:endParaRPr>
-          </a:p>
-        </p:txBody>
-      </p:sp>
-      <p:pic>
-        <p:nvPicPr>
-          <p:cNvPr id="3" name="Graphic 2" descr="Snowflake">
-            <a:extLst>
-              <a:ext uri="{FF2B5EF4-FFF2-40B4-BE49-F238E27FC236}">
-                <a16:creationId xmlns:a16="http://schemas.microsoft.com/office/drawing/2014/main" id="{35F762FA-CF4C-4340-8C43-F171F35AED9C}"/>
-              </a:ext>
-            </a:extLst>
-          </p:cNvPr>
-          <p:cNvPicPr>
-            <a:picLocks noChangeAspect="1"/>
-          </p:cNvPicPr>
-          <p:nvPr/>
-        </p:nvPicPr>
-        <p:blipFill>
-          <a:blip r:embed="rId2">
-            <a:extLst>
-              <a:ext uri="{28A0092B-C50C-407E-A947-70E740481C1C}">
-                <a14:useLocalDpi xmlns:a14="http://schemas.microsoft.com/office/drawing/2010/main" val="0"/>
-              </a:ext>
-              <a:ext uri="{96DAC541-7B7A-43D3-8B79-37D633B846F1}">
-                <asvg:svgBlip xmlns:asvg="http://schemas.microsoft.com/office/drawing/2016/SVG/main" r:embed="rId3"/>
-              </a:ext>
-            </a:extLst>
-          </a:blip>
-          <a:stretch>
-            <a:fillRect/>
-          </a:stretch>
-        </p:blipFill>
-        <p:spPr>
-          <a:xfrm>
-            <a:off x="1249680" y="3487939"/>
-            <a:ext cx="2148428" cy="2148428"/>
-          </a:xfrm>
-          <a:prstGeom prst="rect">
-            <a:avLst/>
-          </a:prstGeom>
-        </p:spPr>
-      </p:pic>
-      <p:pic>
-        <p:nvPicPr>
-          <p:cNvPr id="13" name="Graphic 12" descr="Snowflake">
-            <a:extLst>
-              <a:ext uri="{FF2B5EF4-FFF2-40B4-BE49-F238E27FC236}">
-                <a16:creationId xmlns:a16="http://schemas.microsoft.com/office/drawing/2014/main" id="{089F0FCD-74A5-49FD-AAD6-A6C18808A0E9}"/>
-              </a:ext>
-            </a:extLst>
-          </p:cNvPr>
-          <p:cNvPicPr>
-            <a:picLocks noChangeAspect="1"/>
-          </p:cNvPicPr>
-          <p:nvPr/>
-        </p:nvPicPr>
-        <p:blipFill rotWithShape="1">
-          <a:blip r:embed="rId4">
-            <a:extLst>
-              <a:ext uri="{28A0092B-C50C-407E-A947-70E740481C1C}">
-                <a14:useLocalDpi xmlns:a14="http://schemas.microsoft.com/office/drawing/2010/main" val="0"/>
-              </a:ext>
-              <a:ext uri="{96DAC541-7B7A-43D3-8B79-37D633B846F1}">
-                <asvg:svgBlip xmlns:asvg="http://schemas.microsoft.com/office/drawing/2016/SVG/main" r:embed="rId5"/>
-              </a:ext>
-            </a:extLst>
-          </a:blip>
-          <a:srcRect l="9739" t="9739" r="9739" b="9739"/>
-          <a:stretch/>
-        </p:blipFill>
-        <p:spPr>
-          <a:xfrm>
-            <a:off x="7774036" y="2424284"/>
-            <a:ext cx="1729948" cy="1729948"/>
-          </a:xfrm>
-          <a:prstGeom prst="rect">
-            <a:avLst/>
-          </a:prstGeom>
-        </p:spPr>
-      </p:pic>
-    </p:spTree>
-    <p:extLst>
-      <p:ext uri="{BB962C8B-B14F-4D97-AF65-F5344CB8AC3E}">
-        <p14:creationId xmlns:p14="http://schemas.microsoft.com/office/powerpoint/2010/main" val="1257465427"/>
-      </p:ext>
-    </p:extLst>
-  </p:cSld>
-  <p:clrMapOvr>
-    <a:masterClrMapping/>
-  </p:clrMapOvr>
-</p:sld>
-</file>
-
-<file path=ppt/slides/slide5.xml><?xml version="1.0" encoding="utf-8"?>
-<p:sld xmlns:a="http://schemas.openxmlformats.org/drawingml/2006/main" xmlns:r="http://schemas.openxmlformats.org/officeDocument/2006/relationships" xmlns:p="http://schemas.openxmlformats.org/presentationml/2006/main">
-  <p:cSld>
-    <p:spTree>
-      <p:nvGrpSpPr>
-        <p:cNvPr id="1" name=""/>
-        <p:cNvGrpSpPr/>
-        <p:nvPr/>
-      </p:nvGrpSpPr>
-      <p:grpSpPr>
-        <a:xfrm>
-          <a:off x="0" y="0"/>
-          <a:ext cx="0" cy="0"/>
-          <a:chOff x="0" y="0"/>
-          <a:chExt cx="0" cy="0"/>
-        </a:xfrm>
-      </p:grpSpPr>
-      <p:grpSp>
-        <p:nvGrpSpPr>
-          <p:cNvPr id="5" name="Group 4">
-            <a:extLst>
-              <a:ext uri="{FF2B5EF4-FFF2-40B4-BE49-F238E27FC236}">
-                <a16:creationId xmlns:a16="http://schemas.microsoft.com/office/drawing/2014/main" id="{DC62F0DD-2E8E-4502-A4A1-5173190734A3}"/>
-              </a:ext>
-            </a:extLst>
-          </p:cNvPr>
-          <p:cNvGrpSpPr/>
-          <p:nvPr/>
-        </p:nvGrpSpPr>
-        <p:grpSpPr>
-          <a:xfrm rot="21150046">
-            <a:off x="2643459" y="4332814"/>
-            <a:ext cx="4846253" cy="2902012"/>
-            <a:chOff x="5415561" y="2189177"/>
-            <a:chExt cx="6209682" cy="3718455"/>
-          </a:xfrm>
-          <a:scene3d>
-            <a:camera prst="isometricBottomDown"/>
-            <a:lightRig rig="threePt" dir="t"/>
-          </a:scene3d>
-        </p:grpSpPr>
-        <p:pic>
-          <p:nvPicPr>
-            <p:cNvPr id="2" name="Picture 1">
-              <a:extLst>
-                <a:ext uri="{FF2B5EF4-FFF2-40B4-BE49-F238E27FC236}">
-                  <a16:creationId xmlns:a16="http://schemas.microsoft.com/office/drawing/2014/main" id="{FA5402EC-3A2D-4E56-9EF1-2EBA5BC70951}"/>
-                </a:ext>
-              </a:extLst>
-            </p:cNvPr>
-            <p:cNvPicPr>
-              <a:picLocks noChangeAspect="1"/>
-            </p:cNvPicPr>
-            <p:nvPr/>
-          </p:nvPicPr>
-          <p:blipFill rotWithShape="1">
-            <a:blip r:embed="rId2"/>
-            <a:srcRect l="22048" t="29179" r="40378" b="30801"/>
-            <a:stretch/>
-          </p:blipFill>
-          <p:spPr>
-            <a:xfrm>
-              <a:off x="5415561" y="2189177"/>
-              <a:ext cx="6209682" cy="3718455"/>
-            </a:xfrm>
-            <a:prstGeom prst="rect">
-              <a:avLst/>
-            </a:prstGeom>
-          </p:spPr>
-        </p:pic>
-        <p:pic>
-          <p:nvPicPr>
-            <p:cNvPr id="13" name="Graphic 12" descr="Snowflake">
-              <a:extLst>
-                <a:ext uri="{FF2B5EF4-FFF2-40B4-BE49-F238E27FC236}">
-                  <a16:creationId xmlns:a16="http://schemas.microsoft.com/office/drawing/2014/main" id="{089F0FCD-74A5-49FD-AAD6-A6C18808A0E9}"/>
-                </a:ext>
-              </a:extLst>
-            </p:cNvPr>
-            <p:cNvPicPr>
-              <a:picLocks noChangeAspect="1"/>
-            </p:cNvPicPr>
-            <p:nvPr/>
-          </p:nvPicPr>
-          <p:blipFill rotWithShape="1">
-            <a:blip r:embed="rId3">
-              <a:extLst>
-                <a:ext uri="{28A0092B-C50C-407E-A947-70E740481C1C}">
-                  <a14:useLocalDpi xmlns:a14="http://schemas.microsoft.com/office/drawing/2010/main" val="0"/>
-                </a:ext>
-                <a:ext uri="{96DAC541-7B7A-43D3-8B79-37D633B846F1}">
-                  <asvg:svgBlip xmlns:asvg="http://schemas.microsoft.com/office/drawing/2016/SVG/main" r:embed="rId4"/>
-                </a:ext>
-              </a:extLst>
-            </a:blip>
-            <a:srcRect l="9739" t="9739" r="9739" b="9739"/>
-            <a:stretch/>
-          </p:blipFill>
-          <p:spPr>
-            <a:xfrm>
-              <a:off x="7563989" y="2614526"/>
-              <a:ext cx="1729948" cy="1729948"/>
-            </a:xfrm>
-            <a:prstGeom prst="rect">
-              <a:avLst/>
-            </a:prstGeom>
-          </p:spPr>
-        </p:pic>
-      </p:grpSp>
-      <p:pic>
-        <p:nvPicPr>
-          <p:cNvPr id="8" name="Picture 7">
-            <a:extLst>
-              <a:ext uri="{FF2B5EF4-FFF2-40B4-BE49-F238E27FC236}">
-                <a16:creationId xmlns:a16="http://schemas.microsoft.com/office/drawing/2014/main" id="{E6B95D07-9DCE-422F-87D6-414B9721BC1E}"/>
-              </a:ext>
-            </a:extLst>
-          </p:cNvPr>
-          <p:cNvPicPr>
-            <a:picLocks noChangeAspect="1"/>
-          </p:cNvPicPr>
-          <p:nvPr/>
-        </p:nvPicPr>
-        <p:blipFill>
-          <a:blip r:embed="rId5"/>
-          <a:stretch>
-            <a:fillRect/>
-          </a:stretch>
-        </p:blipFill>
-        <p:spPr>
-          <a:xfrm>
-            <a:off x="2871280" y="405951"/>
-            <a:ext cx="6251953" cy="4998468"/>
-          </a:xfrm>
-          <a:prstGeom prst="rect">
-            <a:avLst/>
-          </a:prstGeom>
-          <a:scene3d>
-            <a:camera prst="perspectiveContrastingLeftFacing"/>
-            <a:lightRig rig="threePt" dir="t"/>
-          </a:scene3d>
-        </p:spPr>
-      </p:pic>
-      <p:sp>
-        <p:nvSpPr>
-          <p:cNvPr id="32" name="Rectangle 31">
-            <a:extLst>
-              <a:ext uri="{FF2B5EF4-FFF2-40B4-BE49-F238E27FC236}">
-                <a16:creationId xmlns:a16="http://schemas.microsoft.com/office/drawing/2014/main" id="{75A47523-0EB2-4297-B853-04E0D29EB59D}"/>
-              </a:ext>
-            </a:extLst>
-          </p:cNvPr>
-          <p:cNvSpPr/>
-          <p:nvPr/>
-        </p:nvSpPr>
-        <p:spPr>
-          <a:xfrm>
-            <a:off x="0" y="0"/>
-            <a:ext cx="12192000" cy="6858000"/>
-          </a:xfrm>
-          <a:prstGeom prst="rect">
-            <a:avLst/>
-          </a:prstGeom>
-          <a:solidFill>
-            <a:srgbClr val="181717">
-              <a:alpha val="69804"/>
-            </a:srgbClr>
-          </a:solidFill>
-          <a:ln>
-            <a:noFill/>
-          </a:ln>
-        </p:spPr>
-        <p:style>
-          <a:lnRef idx="2">
-            <a:schemeClr val="accent1">
-              <a:shade val="50000"/>
-            </a:schemeClr>
-          </a:lnRef>
-          <a:fillRef idx="1">
-            <a:schemeClr val="accent1"/>
-          </a:fillRef>
-          <a:effectRef idx="0">
-            <a:schemeClr val="accent1"/>
-          </a:effectRef>
-          <a:fontRef idx="minor">
-            <a:schemeClr val="lt1"/>
-          </a:fontRef>
-        </p:style>
-        <p:txBody>
-          <a:bodyPr rot="0" spcFirstLastPara="0" vertOverflow="overflow" horzOverflow="overflow" vert="horz" wrap="square" lIns="91440" tIns="45720" rIns="91440" bIns="45720" numCol="1" spcCol="0" rtlCol="0" fromWordArt="0" anchor="ctr" anchorCtr="0" forceAA="0" compatLnSpc="1">
-            <a:prstTxWarp prst="textNoShape">
-              <a:avLst/>
-            </a:prstTxWarp>
-            <a:noAutofit/>
-          </a:bodyPr>
-          <a:lstStyle/>
-          <a:p>
-            <a:pPr algn="ctr"/>
-            <a:endParaRPr lang="en-US">
-              <a:ln w="0"/>
-              <a:solidFill>
-                <a:schemeClr val="tx1"/>
-              </a:solidFill>
-              <a:effectLst>
-                <a:outerShdw blurRad="38100" dist="19050" dir="2700000" algn="tl" rotWithShape="0">
-                  <a:schemeClr val="dk1">
-                    <a:alpha val="40000"/>
-                  </a:schemeClr>
-                </a:outerShdw>
-              </a:effectLst>
-            </a:endParaRPr>
-          </a:p>
-        </p:txBody>
-      </p:sp>
-    </p:spTree>
-    <p:extLst>
-      <p:ext uri="{BB962C8B-B14F-4D97-AF65-F5344CB8AC3E}">
-        <p14:creationId xmlns:p14="http://schemas.microsoft.com/office/powerpoint/2010/main" val="2342747115"/>
-      </p:ext>
-    </p:extLst>
-  </p:cSld>
-  <p:clrMapOvr>
-    <a:masterClrMapping/>
-  </p:clrMapOvr>
-</p:sld>
-</file>
-
-<file path=ppt/slides/slide6.xml><?xml version="1.0" encoding="utf-8"?>
-<p:sld xmlns:a="http://schemas.openxmlformats.org/drawingml/2006/main" xmlns:r="http://schemas.openxmlformats.org/officeDocument/2006/relationships" xmlns:p="http://schemas.openxmlformats.org/presentationml/2006/main">
-  <p:cSld>
-    <p:spTree>
-      <p:nvGrpSpPr>
-        <p:cNvPr id="1" name=""/>
-        <p:cNvGrpSpPr/>
-        <p:nvPr/>
-      </p:nvGrpSpPr>
-      <p:grpSpPr>
-        <a:xfrm>
-          <a:off x="0" y="0"/>
-          <a:ext cx="0" cy="0"/>
-          <a:chOff x="0" y="0"/>
-          <a:chExt cx="0" cy="0"/>
-        </a:xfrm>
-      </p:grpSpPr>
-      <p:sp>
-        <p:nvSpPr>
-          <p:cNvPr id="2" name="Rectangle 1"/>
-          <p:cNvSpPr/>
-          <p:nvPr/>
-        </p:nvSpPr>
-        <p:spPr>
-          <a:xfrm>
-            <a:off x="0" y="0"/>
-            <a:ext cx="12192000" cy="6858000"/>
-          </a:xfrm>
-          <a:prstGeom prst="rect">
-            <a:avLst/>
-          </a:prstGeom>
-          <a:solidFill>
-            <a:srgbClr val="231F20"/>
-          </a:solidFill>
-          <a:ln>
-            <a:noFill/>
-          </a:ln>
-        </p:spPr>
-        <p:style>
-          <a:lnRef idx="2">
-            <a:schemeClr val="accent1">
-              <a:shade val="50000"/>
-            </a:schemeClr>
-          </a:lnRef>
-          <a:fillRef idx="1">
-            <a:schemeClr val="accent1"/>
-          </a:fillRef>
-          <a:effectRef idx="0">
-            <a:schemeClr val="accent1"/>
-          </a:effectRef>
-          <a:fontRef idx="minor">
-            <a:schemeClr val="lt1"/>
-          </a:fontRef>
-        </p:style>
-        <p:txBody>
-          <a:bodyPr rtlCol="0" anchor="ctr"/>
-          <a:lstStyle/>
-          <a:p>
-            <a:pPr algn="ctr"/>
-            <a:endParaRPr lang="en-GB"/>
-          </a:p>
-        </p:txBody>
-      </p:sp>
-      <p:pic>
-        <p:nvPicPr>
-          <p:cNvPr id="5" name="Picture 4"/>
-          <p:cNvPicPr>
-            <a:picLocks noChangeAspect="1"/>
-          </p:cNvPicPr>
-          <p:nvPr/>
-        </p:nvPicPr>
-        <p:blipFill rotWithShape="1">
-          <a:blip r:embed="rId2">
-            <a:extLst>
-              <a:ext uri="{BEBA8EAE-BF5A-486C-A8C5-ECC9F3942E4B}">
-                <a14:imgProps xmlns:a14="http://schemas.microsoft.com/office/drawing/2010/main">
-                  <a14:imgLayer r:embed="rId3">
-                    <a14:imgEffect>
-                      <a14:artisticBlur/>
-                    </a14:imgEffect>
-                  </a14:imgLayer>
-                </a14:imgProps>
-              </a:ext>
-              <a:ext uri="{28A0092B-C50C-407E-A947-70E740481C1C}">
-                <a14:useLocalDpi xmlns:a14="http://schemas.microsoft.com/office/drawing/2010/main" val="0"/>
-              </a:ext>
-            </a:extLst>
-          </a:blip>
-          <a:srcRect t="1" b="-5015"/>
-          <a:stretch/>
-        </p:blipFill>
-        <p:spPr>
-          <a:xfrm>
-            <a:off x="2662487" y="9221"/>
-            <a:ext cx="6867026" cy="7182411"/>
-          </a:xfrm>
-          <a:prstGeom prst="rect">
-            <a:avLst/>
-          </a:prstGeom>
-        </p:spPr>
-      </p:pic>
-      <p:sp>
-        <p:nvSpPr>
-          <p:cNvPr id="17" name="TextBox 16"/>
-          <p:cNvSpPr txBox="1"/>
-          <p:nvPr/>
-        </p:nvSpPr>
-        <p:spPr>
-          <a:xfrm>
-            <a:off x="6765555" y="2607606"/>
-            <a:ext cx="1364476" cy="400110"/>
-          </a:xfrm>
-          <a:prstGeom prst="rect">
-            <a:avLst/>
-          </a:prstGeom>
-          <a:noFill/>
-        </p:spPr>
-        <p:txBody>
-          <a:bodyPr wrap="none" rtlCol="0">
-            <a:spAutoFit/>
-          </a:bodyPr>
-          <a:lstStyle/>
-          <a:p>
-            <a:pPr algn="ctr"/>
-            <a:r>
-              <a:rPr lang="hu-HU" sz="2000" b="1" cap="small" dirty="0">
-                <a:solidFill>
-                  <a:schemeClr val="bg1">
-                    <a:lumMod val="75000"/>
-                  </a:schemeClr>
-                </a:solidFill>
-                <a:latin typeface="Segoe UI Emoji" panose="020B0502040204020203" pitchFamily="34" charset="0"/>
-                <a:ea typeface="Segoe UI Emoji" panose="020B0502040204020203" pitchFamily="34" charset="0"/>
-              </a:rPr>
-              <a:t>köszönjük!</a:t>
-            </a:r>
-            <a:endParaRPr lang="en-GB" sz="2000" cap="small" dirty="0">
-              <a:solidFill>
-                <a:schemeClr val="bg1">
-                  <a:lumMod val="75000"/>
-                </a:schemeClr>
-              </a:solidFill>
-              <a:latin typeface="Segoe UI Emoji" panose="020B0502040204020203" pitchFamily="34" charset="0"/>
-              <a:ea typeface="Segoe UI Emoji" panose="020B0502040204020203" pitchFamily="34" charset="0"/>
-            </a:endParaRPr>
-          </a:p>
-        </p:txBody>
-      </p:sp>
-      <p:sp>
-        <p:nvSpPr>
-          <p:cNvPr id="18" name="TextBox 17"/>
-          <p:cNvSpPr txBox="1"/>
-          <p:nvPr/>
-        </p:nvSpPr>
-        <p:spPr>
-          <a:xfrm>
-            <a:off x="3674591" y="2669162"/>
-            <a:ext cx="1880643" cy="338554"/>
-          </a:xfrm>
-          <a:prstGeom prst="rect">
-            <a:avLst/>
-          </a:prstGeom>
-          <a:noFill/>
-        </p:spPr>
-        <p:txBody>
-          <a:bodyPr wrap="none" rtlCol="0">
-            <a:spAutoFit/>
-          </a:bodyPr>
-          <a:lstStyle/>
-          <a:p>
-            <a:pPr algn="ctr"/>
-            <a:r>
-              <a:rPr lang="en-US" sz="1600" b="1" cap="small" dirty="0">
-                <a:solidFill>
-                  <a:schemeClr val="bg1">
-                    <a:lumMod val="75000"/>
-                  </a:schemeClr>
-                </a:solidFill>
-                <a:latin typeface="Segoe UI Emoji" panose="020B0502040204020203" pitchFamily="34" charset="0"/>
-                <a:ea typeface="Segoe UI Emoji" panose="020B0502040204020203" pitchFamily="34" charset="0"/>
-              </a:rPr>
-              <a:t>1000</a:t>
-            </a:r>
-            <a:r>
-              <a:rPr lang="hu-HU" sz="1600" b="1" cap="small" dirty="0">
-                <a:solidFill>
-                  <a:schemeClr val="bg1">
-                    <a:lumMod val="75000"/>
-                  </a:schemeClr>
-                </a:solidFill>
-                <a:latin typeface="Segoe UI Emoji" panose="020B0502040204020203" pitchFamily="34" charset="0"/>
-                <a:ea typeface="Segoe UI Emoji" panose="020B0502040204020203" pitchFamily="34" charset="0"/>
-              </a:rPr>
-              <a:t> </a:t>
-            </a:r>
-            <a:r>
-              <a:rPr lang="hu-HU" sz="1600" cap="small" dirty="0">
-                <a:solidFill>
-                  <a:schemeClr val="bg1">
-                    <a:lumMod val="75000"/>
-                  </a:schemeClr>
-                </a:solidFill>
-                <a:latin typeface="Segoe UI Emoji" panose="020B0502040204020203" pitchFamily="34" charset="0"/>
-                <a:ea typeface="Segoe UI Emoji" panose="020B0502040204020203" pitchFamily="34" charset="0"/>
-              </a:rPr>
-              <a:t>adatvarázsló</a:t>
-            </a:r>
-            <a:endParaRPr lang="en-US" sz="1600" cap="small" dirty="0">
-              <a:solidFill>
-                <a:schemeClr val="bg1">
-                  <a:lumMod val="75000"/>
-                </a:schemeClr>
-              </a:solidFill>
-              <a:latin typeface="Segoe UI Emoji" panose="020B0502040204020203" pitchFamily="34" charset="0"/>
-              <a:ea typeface="Segoe UI Emoji" panose="020B0502040204020203" pitchFamily="34" charset="0"/>
-            </a:endParaRPr>
-          </a:p>
-        </p:txBody>
-      </p:sp>
-      <p:sp>
-        <p:nvSpPr>
-          <p:cNvPr id="4" name="Rectangle 3"/>
-          <p:cNvSpPr/>
-          <p:nvPr/>
-        </p:nvSpPr>
-        <p:spPr>
-          <a:xfrm rot="16200000" flipH="1">
-            <a:off x="6053287" y="1170749"/>
-            <a:ext cx="36000" cy="4997788"/>
-          </a:xfrm>
-          <a:prstGeom prst="rect">
-            <a:avLst/>
-          </a:prstGeom>
-          <a:gradFill flip="none" rotWithShape="1">
-            <a:gsLst>
-              <a:gs pos="27000">
-                <a:srgbClr val="B5B7BB"/>
-              </a:gs>
-              <a:gs pos="76000">
-                <a:srgbClr val="C2C7CE"/>
-              </a:gs>
-              <a:gs pos="0">
-                <a:schemeClr val="bg1">
-                  <a:lumMod val="65000"/>
-                  <a:alpha val="0"/>
-                </a:schemeClr>
-              </a:gs>
-              <a:gs pos="100000">
-                <a:schemeClr val="accent1">
-                  <a:tint val="23500"/>
-                  <a:satMod val="160000"/>
-                  <a:alpha val="0"/>
-                </a:schemeClr>
-              </a:gs>
-            </a:gsLst>
-            <a:lin ang="5400000" scaled="1"/>
-            <a:tileRect/>
-          </a:gradFill>
-          <a:ln>
-            <a:noFill/>
-          </a:ln>
-        </p:spPr>
-        <p:style>
-          <a:lnRef idx="2">
-            <a:schemeClr val="accent1">
-              <a:shade val="50000"/>
-            </a:schemeClr>
-          </a:lnRef>
-          <a:fillRef idx="1">
-            <a:schemeClr val="accent1"/>
-          </a:fillRef>
-          <a:effectRef idx="0">
-            <a:schemeClr val="accent1"/>
-          </a:effectRef>
-          <a:fontRef idx="minor">
-            <a:schemeClr val="lt1"/>
-          </a:fontRef>
-        </p:style>
-        <p:txBody>
-          <a:bodyPr rtlCol="0" anchor="ctr"/>
-          <a:lstStyle/>
-          <a:p>
-            <a:pPr algn="ctr"/>
-            <a:endParaRPr lang="en-GB"/>
-          </a:p>
-        </p:txBody>
-      </p:sp>
-      <p:sp>
-        <p:nvSpPr>
-          <p:cNvPr id="20" name="TextBox 19"/>
-          <p:cNvSpPr txBox="1"/>
-          <p:nvPr/>
-        </p:nvSpPr>
-        <p:spPr>
-          <a:xfrm>
-            <a:off x="5003264" y="3999808"/>
-            <a:ext cx="2484976" cy="785151"/>
-          </a:xfrm>
-          <a:prstGeom prst="rect">
-            <a:avLst/>
-          </a:prstGeom>
-          <a:noFill/>
-        </p:spPr>
-        <p:txBody>
-          <a:bodyPr wrap="none" rtlCol="0">
-            <a:spAutoFit/>
-          </a:bodyPr>
-          <a:lstStyle/>
-          <a:p>
-            <a:pPr>
-              <a:lnSpc>
-                <a:spcPct val="150000"/>
-              </a:lnSpc>
-            </a:pPr>
-            <a:r>
-              <a:rPr lang="hu-HU" sz="1600" cap="small" dirty="0">
-                <a:solidFill>
-                  <a:schemeClr val="bg1">
-                    <a:lumMod val="75000"/>
-                  </a:schemeClr>
-                </a:solidFill>
-                <a:latin typeface="Segoe UI Emoji" panose="020B0502040204020203" pitchFamily="34" charset="0"/>
-                <a:ea typeface="Segoe UI Emoji" panose="020B0502040204020203" pitchFamily="34" charset="0"/>
-              </a:rPr>
-              <a:t>szekelydata.csaladen.es</a:t>
-            </a:r>
-          </a:p>
-          <a:p>
-            <a:pPr>
-              <a:lnSpc>
-                <a:spcPct val="150000"/>
-              </a:lnSpc>
-            </a:pPr>
-            <a:r>
-              <a:rPr lang="hu-HU" sz="1600" cap="small" dirty="0">
-                <a:solidFill>
-                  <a:schemeClr val="bg1">
-                    <a:lumMod val="75000"/>
-                  </a:schemeClr>
-                </a:solidFill>
-                <a:latin typeface="Segoe UI Emoji" panose="020B0502040204020203" pitchFamily="34" charset="0"/>
-                <a:ea typeface="Segoe UI Emoji" panose="020B0502040204020203" pitchFamily="34" charset="0"/>
-              </a:rPr>
-              <a:t>facebook.com/szekelydata</a:t>
-            </a:r>
-            <a:endParaRPr lang="en-GB" sz="1600" cap="small" dirty="0">
-              <a:solidFill>
-                <a:schemeClr val="bg1">
-                  <a:lumMod val="75000"/>
-                </a:schemeClr>
-              </a:solidFill>
-              <a:latin typeface="Segoe UI Emoji" panose="020B0502040204020203" pitchFamily="34" charset="0"/>
-              <a:ea typeface="Segoe UI Emoji" panose="020B0502040204020203" pitchFamily="34" charset="0"/>
-            </a:endParaRPr>
-          </a:p>
-        </p:txBody>
-      </p:sp>
-      <p:pic>
-        <p:nvPicPr>
-          <p:cNvPr id="3" name="Picture 2">
-            <a:extLst>
-              <a:ext uri="{FF2B5EF4-FFF2-40B4-BE49-F238E27FC236}">
-                <a16:creationId xmlns:a16="http://schemas.microsoft.com/office/drawing/2014/main" id="{73AA9B91-375B-4572-8D41-2C8D9A45E9EE}"/>
-              </a:ext>
-            </a:extLst>
-          </p:cNvPr>
-          <p:cNvPicPr>
-            <a:picLocks noChangeAspect="1"/>
-          </p:cNvPicPr>
-          <p:nvPr/>
-        </p:nvPicPr>
-        <p:blipFill rotWithShape="1">
-          <a:blip r:embed="rId4"/>
-          <a:srcRect l="13467" r="13467" b="8646"/>
-          <a:stretch/>
-        </p:blipFill>
-        <p:spPr>
-          <a:xfrm>
-            <a:off x="5798695" y="2446474"/>
-            <a:ext cx="723399" cy="722376"/>
-          </a:xfrm>
-          <a:prstGeom prst="roundRect">
-            <a:avLst>
-              <a:gd name="adj" fmla="val 8594"/>
-            </a:avLst>
-          </a:prstGeom>
-          <a:solidFill>
-            <a:srgbClr val="FFFFFF">
-              <a:shade val="85000"/>
-            </a:srgbClr>
-          </a:solidFill>
-          <a:ln>
-            <a:noFill/>
-          </a:ln>
-          <a:effectLst>
-            <a:reflection blurRad="12700" stA="38000" endPos="28000" dist="5000" dir="5400000" sy="-100000" algn="bl" rotWithShape="0"/>
-          </a:effectLst>
-        </p:spPr>
-      </p:pic>
-      <p:pic>
-        <p:nvPicPr>
-          <p:cNvPr id="1026" name="Picture 2" descr="Facebook logo | Logok">
-            <a:extLst>
-              <a:ext uri="{FF2B5EF4-FFF2-40B4-BE49-F238E27FC236}">
-                <a16:creationId xmlns:a16="http://schemas.microsoft.com/office/drawing/2014/main" id="{495BE7B9-FFF4-4648-A32D-85BC740E70B8}"/>
-              </a:ext>
-            </a:extLst>
-          </p:cNvPr>
-          <p:cNvPicPr>
-            <a:picLocks noChangeAspect="1" noChangeArrowheads="1"/>
-          </p:cNvPicPr>
-          <p:nvPr/>
-        </p:nvPicPr>
-        <p:blipFill>
-          <a:blip r:embed="rId5">
-            <a:extLst>
-              <a:ext uri="{28A0092B-C50C-407E-A947-70E740481C1C}">
-                <a14:useLocalDpi xmlns:a14="http://schemas.microsoft.com/office/drawing/2010/main" val="0"/>
-              </a:ext>
-            </a:extLst>
-          </a:blip>
-          <a:srcRect/>
-          <a:stretch>
-            <a:fillRect/>
-          </a:stretch>
-        </p:blipFill>
-        <p:spPr bwMode="auto">
-          <a:xfrm>
-            <a:off x="4668444" y="4433513"/>
-            <a:ext cx="486065" cy="345646"/>
-          </a:xfrm>
-          <a:prstGeom prst="rect">
-            <a:avLst/>
-          </a:prstGeom>
-          <a:noFill/>
-          <a:extLst>
-            <a:ext uri="{909E8E84-426E-40DD-AFC4-6F175D3DCCD1}">
-              <a14:hiddenFill xmlns:a14="http://schemas.microsoft.com/office/drawing/2010/main">
-                <a:solidFill>
-                  <a:srgbClr val="FFFFFF"/>
-                </a:solidFill>
-              </a14:hiddenFill>
-            </a:ext>
-          </a:extLst>
-        </p:spPr>
-      </p:pic>
-      <p:pic>
-        <p:nvPicPr>
-          <p:cNvPr id="19" name="Graphic 18" descr="Snowflake">
-            <a:extLst>
-              <a:ext uri="{FF2B5EF4-FFF2-40B4-BE49-F238E27FC236}">
-                <a16:creationId xmlns:a16="http://schemas.microsoft.com/office/drawing/2014/main" id="{84E30C7F-7F60-4FBD-BF7A-A3F89B51C467}"/>
-              </a:ext>
-            </a:extLst>
-          </p:cNvPr>
-          <p:cNvPicPr>
-            <a:picLocks noChangeAspect="1"/>
-          </p:cNvPicPr>
-          <p:nvPr/>
-        </p:nvPicPr>
-        <p:blipFill rotWithShape="1">
-          <a:blip r:embed="rId6">
-            <a:extLst>
-              <a:ext uri="{28A0092B-C50C-407E-A947-70E740481C1C}">
-                <a14:useLocalDpi xmlns:a14="http://schemas.microsoft.com/office/drawing/2010/main" val="0"/>
-              </a:ext>
-              <a:ext uri="{96DAC541-7B7A-43D3-8B79-37D633B846F1}">
-                <asvg:svgBlip xmlns:asvg="http://schemas.microsoft.com/office/drawing/2016/SVG/main" r:embed="rId7"/>
-              </a:ext>
-            </a:extLst>
-          </a:blip>
-          <a:srcRect l="9739" t="9739" r="9739" b="9739"/>
-          <a:stretch/>
-        </p:blipFill>
-        <p:spPr>
-          <a:xfrm>
-            <a:off x="4778430" y="4128130"/>
-            <a:ext cx="274262" cy="274262"/>
-          </a:xfrm>
-          <a:prstGeom prst="rect">
-            <a:avLst/>
-          </a:prstGeom>
-        </p:spPr>
-      </p:pic>
-    </p:spTree>
-    <p:extLst>
-      <p:ext uri="{BB962C8B-B14F-4D97-AF65-F5344CB8AC3E}">
-        <p14:creationId xmlns:p14="http://schemas.microsoft.com/office/powerpoint/2010/main" val="1367800202"/>
-      </p:ext>
-    </p:extLst>
-  </p:cSld>
-  <p:clrMapOvr>
-    <a:masterClrMapping/>
-  </p:clrMapOvr>
-  <p:timing>
-    <p:tnLst>
-      <p:par>
-        <p:cTn id="1" dur="indefinite" restart="never" nodeType="tmRoot">
-          <p:childTnLst>
-            <p:seq concurrent="1" nextAc="seek">
-              <p:cTn id="2" dur="indefinite" nodeType="mainSeq">
-                <p:childTnLst>
-                  <p:par>
-                    <p:cTn id="3" fill="hold">
-                      <p:stCondLst>
-                        <p:cond delay="indefinite"/>
-                      </p:stCondLst>
-                      <p:childTnLst>
-                        <p:par>
-                          <p:cTn id="4" fill="hold">
-                            <p:stCondLst>
-                              <p:cond delay="0"/>
-                            </p:stCondLst>
-                            <p:childTnLst>
-                              <p:par>
-                                <p:cTn id="5" presetID="8" presetClass="emph" presetSubtype="0" repeatCount="indefinite" fill="hold" nodeType="clickEffect">
-                                  <p:stCondLst>
-                                    <p:cond delay="0"/>
-                                  </p:stCondLst>
-                                  <p:childTnLst>
-                                    <p:animRot by="21600000">
-                                      <p:cBhvr>
-                                        <p:cTn id="6" dur="33000" fill="hold"/>
-                                        <p:tgtEl>
-                                          <p:spTgt spid="5"/>
-                                        </p:tgtEl>
-                                        <p:attrNameLst>
-                                          <p:attrName>r</p:attrName>
-                                        </p:attrNameLst>
-                                      </p:cBhvr>
-                                    </p:animRot>
-                                  </p:childTnLst>
-                                </p:cTn>
-                              </p:par>
-                            </p:childTnLst>
-                          </p:cTn>
-                        </p:par>
-                      </p:childTnLst>
-                    </p:cTn>
-                  </p:par>
-                </p:childTnLst>
-              </p:cTn>
-              <p:prevCondLst>
-                <p:cond evt="onPrev" delay="0">
-                  <p:tgtEl>
-                    <p:sldTgt/>
-                  </p:tgtEl>
-                </p:cond>
-              </p:prevCondLst>
-              <p:nextCondLst>
-                <p:cond evt="onNext" delay="0">
-                  <p:tgtEl>
-                    <p:sldTgt/>
-                  </p:tgtEl>
-                </p:cond>
-              </p:nextCondLst>
-            </p:seq>
-          </p:childTnLst>
-        </p:cTn>
-      </p:par>
-    </p:tnLst>
-  </p:timing>
-</p:sld>
-</file>
-
-<file path=ppt/slides/slide7.xml><?xml version="1.0" encoding="utf-8"?>
-<p:sld xmlns:a="http://schemas.openxmlformats.org/drawingml/2006/main" xmlns:r="http://schemas.openxmlformats.org/officeDocument/2006/relationships" xmlns:p="http://schemas.openxmlformats.org/presentationml/2006/main">
-  <p:cSld>
-    <p:spTree>
-      <p:nvGrpSpPr>
-        <p:cNvPr id="1" name=""/>
-        <p:cNvGrpSpPr/>
-        <p:nvPr/>
-      </p:nvGrpSpPr>
-      <p:grpSpPr>
-        <a:xfrm>
-          <a:off x="0" y="0"/>
-          <a:ext cx="0" cy="0"/>
-          <a:chOff x="0" y="0"/>
-          <a:chExt cx="0" cy="0"/>
-        </a:xfrm>
-      </p:grpSpPr>
-      <p:sp>
-        <p:nvSpPr>
-          <p:cNvPr id="2" name="Rectangle 1"/>
-          <p:cNvSpPr/>
-          <p:nvPr/>
-        </p:nvSpPr>
-        <p:spPr>
-          <a:xfrm>
-            <a:off x="0" y="0"/>
-            <a:ext cx="12192000" cy="6858000"/>
-          </a:xfrm>
-          <a:prstGeom prst="rect">
-            <a:avLst/>
-          </a:prstGeom>
-          <a:solidFill>
-            <a:srgbClr val="231F20"/>
-          </a:solidFill>
-          <a:ln>
-            <a:noFill/>
-          </a:ln>
-        </p:spPr>
-        <p:style>
-          <a:lnRef idx="2">
-            <a:schemeClr val="accent1">
-              <a:shade val="50000"/>
-            </a:schemeClr>
-          </a:lnRef>
-          <a:fillRef idx="1">
-            <a:schemeClr val="accent1"/>
-          </a:fillRef>
-          <a:effectRef idx="0">
-            <a:schemeClr val="accent1"/>
-          </a:effectRef>
-          <a:fontRef idx="minor">
-            <a:schemeClr val="lt1"/>
-          </a:fontRef>
-        </p:style>
-        <p:txBody>
-          <a:bodyPr rtlCol="0" anchor="ctr"/>
-          <a:lstStyle/>
-          <a:p>
-            <a:pPr algn="ctr"/>
-            <a:endParaRPr lang="en-GB"/>
-          </a:p>
-        </p:txBody>
-      </p:sp>
-      <p:pic>
-        <p:nvPicPr>
-          <p:cNvPr id="5" name="Picture 4"/>
-          <p:cNvPicPr>
-            <a:picLocks noChangeAspect="1"/>
-          </p:cNvPicPr>
-          <p:nvPr/>
-        </p:nvPicPr>
-        <p:blipFill rotWithShape="1">
-          <a:blip r:embed="rId2">
-            <a:extLst>
-              <a:ext uri="{BEBA8EAE-BF5A-486C-A8C5-ECC9F3942E4B}">
-                <a14:imgProps xmlns:a14="http://schemas.microsoft.com/office/drawing/2010/main">
-                  <a14:imgLayer r:embed="rId3">
-                    <a14:imgEffect>
-                      <a14:artisticBlur/>
-                    </a14:imgEffect>
-                  </a14:imgLayer>
-                </a14:imgProps>
-              </a:ext>
-              <a:ext uri="{28A0092B-C50C-407E-A947-70E740481C1C}">
-                <a14:useLocalDpi xmlns:a14="http://schemas.microsoft.com/office/drawing/2010/main" val="0"/>
-              </a:ext>
-            </a:extLst>
-          </a:blip>
-          <a:srcRect t="1" b="-5015"/>
-          <a:stretch/>
-        </p:blipFill>
-        <p:spPr>
-          <a:xfrm>
-            <a:off x="2662487" y="9221"/>
-            <a:ext cx="6867026" cy="7182411"/>
-          </a:xfrm>
-          <a:prstGeom prst="rect">
-            <a:avLst/>
-          </a:prstGeom>
-        </p:spPr>
-      </p:pic>
-      <p:sp>
-        <p:nvSpPr>
-          <p:cNvPr id="17" name="TextBox 16"/>
-          <p:cNvSpPr txBox="1"/>
-          <p:nvPr/>
-        </p:nvSpPr>
-        <p:spPr>
-          <a:xfrm>
-            <a:off x="6765555" y="2607606"/>
-            <a:ext cx="1364476" cy="400110"/>
-          </a:xfrm>
-          <a:prstGeom prst="rect">
-            <a:avLst/>
-          </a:prstGeom>
-          <a:noFill/>
-        </p:spPr>
-        <p:txBody>
-          <a:bodyPr wrap="none" rtlCol="0">
-            <a:spAutoFit/>
-          </a:bodyPr>
-          <a:lstStyle/>
-          <a:p>
-            <a:pPr algn="ctr"/>
-            <a:r>
-              <a:rPr lang="hu-HU" sz="2000" b="1" cap="small" dirty="0">
-                <a:solidFill>
-                  <a:schemeClr val="bg1">
-                    <a:lumMod val="75000"/>
-                  </a:schemeClr>
-                </a:solidFill>
-                <a:latin typeface="Segoe UI Emoji" panose="020B0502040204020203" pitchFamily="34" charset="0"/>
-                <a:ea typeface="Segoe UI Emoji" panose="020B0502040204020203" pitchFamily="34" charset="0"/>
-              </a:rPr>
-              <a:t>köszönjük!</a:t>
-            </a:r>
-            <a:endParaRPr lang="en-GB" sz="2000" cap="small" dirty="0">
-              <a:solidFill>
-                <a:schemeClr val="bg1">
-                  <a:lumMod val="75000"/>
-                </a:schemeClr>
-              </a:solidFill>
-              <a:latin typeface="Segoe UI Emoji" panose="020B0502040204020203" pitchFamily="34" charset="0"/>
-              <a:ea typeface="Segoe UI Emoji" panose="020B0502040204020203" pitchFamily="34" charset="0"/>
-            </a:endParaRPr>
-          </a:p>
-        </p:txBody>
-      </p:sp>
-      <p:sp>
-        <p:nvSpPr>
-          <p:cNvPr id="18" name="TextBox 17"/>
-          <p:cNvSpPr txBox="1"/>
-          <p:nvPr/>
-        </p:nvSpPr>
-        <p:spPr>
-          <a:xfrm>
-            <a:off x="3674591" y="2669162"/>
-            <a:ext cx="1880643" cy="338554"/>
-          </a:xfrm>
-          <a:prstGeom prst="rect">
-            <a:avLst/>
-          </a:prstGeom>
-          <a:noFill/>
-        </p:spPr>
-        <p:txBody>
-          <a:bodyPr wrap="none" rtlCol="0">
-            <a:spAutoFit/>
-          </a:bodyPr>
-          <a:lstStyle/>
-          <a:p>
-            <a:pPr algn="ctr"/>
-            <a:r>
-              <a:rPr lang="en-US" sz="1600" b="1" cap="small" dirty="0">
-                <a:solidFill>
-                  <a:schemeClr val="bg1">
-                    <a:lumMod val="75000"/>
-                  </a:schemeClr>
-                </a:solidFill>
-                <a:latin typeface="Segoe UI Emoji" panose="020B0502040204020203" pitchFamily="34" charset="0"/>
-                <a:ea typeface="Segoe UI Emoji" panose="020B0502040204020203" pitchFamily="34" charset="0"/>
-              </a:rPr>
-              <a:t>1000</a:t>
-            </a:r>
-            <a:r>
-              <a:rPr lang="hu-HU" sz="1600" b="1" cap="small" dirty="0">
-                <a:solidFill>
-                  <a:schemeClr val="bg1">
-                    <a:lumMod val="75000"/>
-                  </a:schemeClr>
-                </a:solidFill>
-                <a:latin typeface="Segoe UI Emoji" panose="020B0502040204020203" pitchFamily="34" charset="0"/>
-                <a:ea typeface="Segoe UI Emoji" panose="020B0502040204020203" pitchFamily="34" charset="0"/>
-              </a:rPr>
-              <a:t> </a:t>
-            </a:r>
-            <a:r>
-              <a:rPr lang="hu-HU" sz="1600" cap="small" dirty="0">
-                <a:solidFill>
-                  <a:schemeClr val="bg1">
-                    <a:lumMod val="75000"/>
-                  </a:schemeClr>
-                </a:solidFill>
-                <a:latin typeface="Segoe UI Emoji" panose="020B0502040204020203" pitchFamily="34" charset="0"/>
-                <a:ea typeface="Segoe UI Emoji" panose="020B0502040204020203" pitchFamily="34" charset="0"/>
-              </a:rPr>
-              <a:t>adatvarázsló</a:t>
-            </a:r>
-            <a:endParaRPr lang="en-US" sz="1600" cap="small" dirty="0">
-              <a:solidFill>
-                <a:schemeClr val="bg1">
-                  <a:lumMod val="75000"/>
-                </a:schemeClr>
-              </a:solidFill>
-              <a:latin typeface="Segoe UI Emoji" panose="020B0502040204020203" pitchFamily="34" charset="0"/>
-              <a:ea typeface="Segoe UI Emoji" panose="020B0502040204020203" pitchFamily="34" charset="0"/>
-            </a:endParaRPr>
-          </a:p>
-        </p:txBody>
-      </p:sp>
-      <p:sp>
-        <p:nvSpPr>
-          <p:cNvPr id="4" name="Rectangle 3"/>
-          <p:cNvSpPr/>
-          <p:nvPr/>
-        </p:nvSpPr>
-        <p:spPr>
-          <a:xfrm rot="16200000" flipH="1">
-            <a:off x="6053287" y="1170749"/>
-            <a:ext cx="36000" cy="4997788"/>
-          </a:xfrm>
-          <a:prstGeom prst="rect">
-            <a:avLst/>
-          </a:prstGeom>
-          <a:gradFill flip="none" rotWithShape="1">
-            <a:gsLst>
-              <a:gs pos="27000">
-                <a:srgbClr val="B5B7BB"/>
-              </a:gs>
-              <a:gs pos="76000">
-                <a:srgbClr val="C2C7CE"/>
-              </a:gs>
-              <a:gs pos="0">
-                <a:schemeClr val="bg1">
-                  <a:lumMod val="65000"/>
-                  <a:alpha val="0"/>
-                </a:schemeClr>
-              </a:gs>
-              <a:gs pos="100000">
-                <a:schemeClr val="accent1">
-                  <a:tint val="23500"/>
-                  <a:satMod val="160000"/>
-                  <a:alpha val="0"/>
-                </a:schemeClr>
-              </a:gs>
-            </a:gsLst>
-            <a:lin ang="5400000" scaled="1"/>
-            <a:tileRect/>
-          </a:gradFill>
-          <a:ln>
-            <a:noFill/>
-          </a:ln>
-        </p:spPr>
-        <p:style>
-          <a:lnRef idx="2">
-            <a:schemeClr val="accent1">
-              <a:shade val="50000"/>
-            </a:schemeClr>
-          </a:lnRef>
-          <a:fillRef idx="1">
-            <a:schemeClr val="accent1"/>
-          </a:fillRef>
-          <a:effectRef idx="0">
-            <a:schemeClr val="accent1"/>
-          </a:effectRef>
-          <a:fontRef idx="minor">
-            <a:schemeClr val="lt1"/>
-          </a:fontRef>
-        </p:style>
-        <p:txBody>
-          <a:bodyPr rtlCol="0" anchor="ctr"/>
-          <a:lstStyle/>
-          <a:p>
-            <a:pPr algn="ctr"/>
-            <a:endParaRPr lang="en-GB"/>
-          </a:p>
-        </p:txBody>
-      </p:sp>
-      <p:sp>
-        <p:nvSpPr>
-          <p:cNvPr id="20" name="TextBox 19"/>
-          <p:cNvSpPr txBox="1"/>
-          <p:nvPr/>
-        </p:nvSpPr>
-        <p:spPr>
-          <a:xfrm>
-            <a:off x="5003264" y="3999808"/>
-            <a:ext cx="2484976" cy="785151"/>
-          </a:xfrm>
-          <a:prstGeom prst="rect">
-            <a:avLst/>
-          </a:prstGeom>
-          <a:noFill/>
-        </p:spPr>
-        <p:txBody>
-          <a:bodyPr wrap="none" rtlCol="0">
-            <a:spAutoFit/>
-          </a:bodyPr>
-          <a:lstStyle/>
-          <a:p>
-            <a:pPr>
-              <a:lnSpc>
-                <a:spcPct val="150000"/>
-              </a:lnSpc>
-            </a:pPr>
-            <a:r>
-              <a:rPr lang="hu-HU" sz="1600" cap="small" dirty="0">
-                <a:solidFill>
-                  <a:schemeClr val="bg1">
-                    <a:lumMod val="75000"/>
-                  </a:schemeClr>
-                </a:solidFill>
-                <a:latin typeface="Segoe UI Emoji" panose="020B0502040204020203" pitchFamily="34" charset="0"/>
-                <a:ea typeface="Segoe UI Emoji" panose="020B0502040204020203" pitchFamily="34" charset="0"/>
-              </a:rPr>
-              <a:t>szekelydata.csaladen.es</a:t>
-            </a:r>
-          </a:p>
-          <a:p>
-            <a:pPr>
-              <a:lnSpc>
-                <a:spcPct val="150000"/>
-              </a:lnSpc>
-            </a:pPr>
-            <a:r>
-              <a:rPr lang="hu-HU" sz="1600" cap="small" dirty="0">
-                <a:solidFill>
-                  <a:schemeClr val="bg1">
-                    <a:lumMod val="75000"/>
-                  </a:schemeClr>
-                </a:solidFill>
-                <a:latin typeface="Segoe UI Emoji" panose="020B0502040204020203" pitchFamily="34" charset="0"/>
-                <a:ea typeface="Segoe UI Emoji" panose="020B0502040204020203" pitchFamily="34" charset="0"/>
-              </a:rPr>
-              <a:t>facebook.com/szekelydata</a:t>
-            </a:r>
-            <a:endParaRPr lang="en-GB" sz="1600" cap="small" dirty="0">
-              <a:solidFill>
-                <a:schemeClr val="bg1">
-                  <a:lumMod val="75000"/>
-                </a:schemeClr>
-              </a:solidFill>
-              <a:latin typeface="Segoe UI Emoji" panose="020B0502040204020203" pitchFamily="34" charset="0"/>
-              <a:ea typeface="Segoe UI Emoji" panose="020B0502040204020203" pitchFamily="34" charset="0"/>
-            </a:endParaRPr>
-          </a:p>
-        </p:txBody>
-      </p:sp>
-      <p:pic>
-        <p:nvPicPr>
-          <p:cNvPr id="3" name="Picture 2">
-            <a:extLst>
-              <a:ext uri="{FF2B5EF4-FFF2-40B4-BE49-F238E27FC236}">
-                <a16:creationId xmlns:a16="http://schemas.microsoft.com/office/drawing/2014/main" id="{73AA9B91-375B-4572-8D41-2C8D9A45E9EE}"/>
-              </a:ext>
-            </a:extLst>
-          </p:cNvPr>
-          <p:cNvPicPr>
-            <a:picLocks noChangeAspect="1"/>
-          </p:cNvPicPr>
-          <p:nvPr/>
-        </p:nvPicPr>
-        <p:blipFill rotWithShape="1">
-          <a:blip r:embed="rId4"/>
-          <a:srcRect l="13467" r="13467" b="8646"/>
-          <a:stretch/>
-        </p:blipFill>
-        <p:spPr>
-          <a:xfrm>
-            <a:off x="5798695" y="2446474"/>
-            <a:ext cx="723399" cy="722376"/>
-          </a:xfrm>
-          <a:prstGeom prst="roundRect">
-            <a:avLst>
-              <a:gd name="adj" fmla="val 8594"/>
-            </a:avLst>
-          </a:prstGeom>
-          <a:solidFill>
-            <a:srgbClr val="FFFFFF">
-              <a:shade val="85000"/>
-            </a:srgbClr>
-          </a:solidFill>
-          <a:ln>
-            <a:noFill/>
-          </a:ln>
-          <a:effectLst>
-            <a:reflection blurRad="12700" stA="38000" endPos="28000" dist="5000" dir="5400000" sy="-100000" algn="bl" rotWithShape="0"/>
-          </a:effectLst>
-        </p:spPr>
-      </p:pic>
-      <p:pic>
-        <p:nvPicPr>
-          <p:cNvPr id="1026" name="Picture 2" descr="Facebook logo | Logok">
-            <a:extLst>
-              <a:ext uri="{FF2B5EF4-FFF2-40B4-BE49-F238E27FC236}">
-                <a16:creationId xmlns:a16="http://schemas.microsoft.com/office/drawing/2014/main" id="{495BE7B9-FFF4-4648-A32D-85BC740E70B8}"/>
-              </a:ext>
-            </a:extLst>
-          </p:cNvPr>
-          <p:cNvPicPr>
-            <a:picLocks noChangeAspect="1" noChangeArrowheads="1"/>
-          </p:cNvPicPr>
-          <p:nvPr/>
-        </p:nvPicPr>
-        <p:blipFill>
-          <a:blip r:embed="rId5">
-            <a:extLst>
-              <a:ext uri="{28A0092B-C50C-407E-A947-70E740481C1C}">
-                <a14:useLocalDpi xmlns:a14="http://schemas.microsoft.com/office/drawing/2010/main" val="0"/>
-              </a:ext>
-            </a:extLst>
-          </a:blip>
-          <a:srcRect/>
-          <a:stretch>
-            <a:fillRect/>
-          </a:stretch>
-        </p:blipFill>
-        <p:spPr bwMode="auto">
-          <a:xfrm>
-            <a:off x="4668444" y="4433513"/>
-            <a:ext cx="486065" cy="345646"/>
-          </a:xfrm>
-          <a:prstGeom prst="rect">
-            <a:avLst/>
-          </a:prstGeom>
-          <a:noFill/>
-          <a:extLst>
-            <a:ext uri="{909E8E84-426E-40DD-AFC4-6F175D3DCCD1}">
-              <a14:hiddenFill xmlns:a14="http://schemas.microsoft.com/office/drawing/2010/main">
-                <a:solidFill>
-                  <a:srgbClr val="FFFFFF"/>
-                </a:solidFill>
-              </a14:hiddenFill>
-            </a:ext>
-          </a:extLst>
-        </p:spPr>
-      </p:pic>
-      <p:pic>
-        <p:nvPicPr>
-          <p:cNvPr id="19" name="Graphic 18" descr="Snowflake">
-            <a:extLst>
-              <a:ext uri="{FF2B5EF4-FFF2-40B4-BE49-F238E27FC236}">
-                <a16:creationId xmlns:a16="http://schemas.microsoft.com/office/drawing/2014/main" id="{84E30C7F-7F60-4FBD-BF7A-A3F89B51C467}"/>
-              </a:ext>
-            </a:extLst>
-          </p:cNvPr>
-          <p:cNvPicPr>
-            <a:picLocks noChangeAspect="1"/>
-          </p:cNvPicPr>
-          <p:nvPr/>
-        </p:nvPicPr>
-        <p:blipFill rotWithShape="1">
-          <a:blip r:embed="rId6">
-            <a:extLst>
-              <a:ext uri="{28A0092B-C50C-407E-A947-70E740481C1C}">
-                <a14:useLocalDpi xmlns:a14="http://schemas.microsoft.com/office/drawing/2010/main" val="0"/>
-              </a:ext>
-              <a:ext uri="{96DAC541-7B7A-43D3-8B79-37D633B846F1}">
-                <asvg:svgBlip xmlns:asvg="http://schemas.microsoft.com/office/drawing/2016/SVG/main" r:embed="rId7"/>
-              </a:ext>
-            </a:extLst>
-          </a:blip>
-          <a:srcRect l="9739" t="9739" r="9739" b="9739"/>
-          <a:stretch/>
-        </p:blipFill>
-        <p:spPr>
-          <a:xfrm>
-            <a:off x="4778430" y="4128130"/>
-            <a:ext cx="274262" cy="274262"/>
-          </a:xfrm>
-          <a:prstGeom prst="rect">
-            <a:avLst/>
-          </a:prstGeom>
-        </p:spPr>
-      </p:pic>
-    </p:spTree>
-    <p:extLst>
-      <p:ext uri="{BB962C8B-B14F-4D97-AF65-F5344CB8AC3E}">
-        <p14:creationId xmlns:p14="http://schemas.microsoft.com/office/powerpoint/2010/main" val="3141886109"/>
-      </p:ext>
-    </p:extLst>
-  </p:cSld>
-  <p:clrMapOvr>
-    <a:masterClrMapping/>
-  </p:clrMapOvr>
-  <p:timing>
-    <p:tnLst>
-      <p:par>
-        <p:cTn id="1" dur="indefinite" restart="never" nodeType="tmRoot">
-          <p:childTnLst>
-            <p:seq concurrent="1" nextAc="seek">
-              <p:cTn id="2" dur="indefinite" nodeType="mainSeq">
-                <p:childTnLst>
-                  <p:par>
-                    <p:cTn id="3" fill="hold">
-                      <p:stCondLst>
-                        <p:cond delay="indefinite"/>
-                      </p:stCondLst>
-                      <p:childTnLst>
-                        <p:par>
-                          <p:cTn id="4" fill="hold">
-                            <p:stCondLst>
-                              <p:cond delay="0"/>
-                            </p:stCondLst>
-                            <p:childTnLst>
-                              <p:par>
-                                <p:cTn id="5" presetID="8" presetClass="emph" presetSubtype="0" repeatCount="indefinite" fill="hold" nodeType="clickEffect">
-                                  <p:stCondLst>
-                                    <p:cond delay="0"/>
-                                  </p:stCondLst>
-                                  <p:childTnLst>
-                                    <p:animRot by="21600000">
-                                      <p:cBhvr>
-                                        <p:cTn id="6" dur="33000" fill="hold"/>
-                                        <p:tgtEl>
-                                          <p:spTgt spid="5"/>
-                                        </p:tgtEl>
-                                        <p:attrNameLst>
-                                          <p:attrName>r</p:attrName>
-                                        </p:attrNameLst>
-                                      </p:cBhvr>
-                                    </p:animRot>
-                                  </p:childTnLst>
-                                </p:cTn>
-                              </p:par>
-                            </p:childTnLst>
-                          </p:cTn>
-                        </p:par>
-                      </p:childTnLst>
-                    </p:cTn>
-                  </p:par>
-                </p:childTnLst>
-              </p:cTn>
-              <p:prevCondLst>
-                <p:cond evt="onPrev" delay="0">
-                  <p:tgtEl>
-                    <p:sldTgt/>
-                  </p:tgtEl>
-                </p:cond>
-              </p:prevCondLst>
-              <p:nextCondLst>
-                <p:cond evt="onNext" delay="0">
-                  <p:tgtEl>
-                    <p:sldTgt/>
-                  </p:tgtEl>
-                </p:cond>
-              </p:nextCondLst>
-            </p:seq>
-          </p:childTnLst>
-        </p:cTn>
-      </p:par>
-    </p:tnLst>
-  </p:timing>
-</p:sld>
-</file>
-
-<file path=ppt/slides/slide8.xml><?xml version="1.0" encoding="utf-8"?>
-<p:sld xmlns:a="http://schemas.openxmlformats.org/drawingml/2006/main" xmlns:r="http://schemas.openxmlformats.org/officeDocument/2006/relationships" xmlns:p="http://schemas.openxmlformats.org/presentationml/2006/main">
-  <p:cSld>
-    <p:spTree>
-      <p:nvGrpSpPr>
-        <p:cNvPr id="1" name=""/>
-        <p:cNvGrpSpPr/>
-        <p:nvPr/>
-      </p:nvGrpSpPr>
-      <p:grpSpPr>
-        <a:xfrm>
-          <a:off x="0" y="0"/>
-          <a:ext cx="0" cy="0"/>
-          <a:chOff x="0" y="0"/>
-          <a:chExt cx="0" cy="0"/>
-        </a:xfrm>
-      </p:grpSpPr>
-      <p:pic>
-        <p:nvPicPr>
           <p:cNvPr id="6" name="Picture 5">
             <a:extLst>
               <a:ext uri="{FF2B5EF4-FFF2-40B4-BE49-F238E27FC236}">
@@ -6538,7 +3703,7 @@
 </p:sld>
 </file>
 
-<file path=ppt/slides/slide9.xml><?xml version="1.0" encoding="utf-8"?>
+<file path=ppt/slides/slide2.xml><?xml version="1.0" encoding="utf-8"?>
 <p:sld xmlns:a="http://schemas.openxmlformats.org/drawingml/2006/main" xmlns:r="http://schemas.openxmlformats.org/officeDocument/2006/relationships" xmlns:p="http://schemas.openxmlformats.org/presentationml/2006/main">
   <p:cSld>
     <p:spTree>
@@ -6695,6 +3860,793 @@
     <p:extLst>
       <p:ext uri="{BB962C8B-B14F-4D97-AF65-F5344CB8AC3E}">
         <p14:creationId xmlns:p14="http://schemas.microsoft.com/office/powerpoint/2010/main" val="2815155493"/>
+      </p:ext>
+    </p:extLst>
+  </p:cSld>
+  <p:clrMapOvr>
+    <a:masterClrMapping/>
+  </p:clrMapOvr>
+</p:sld>
+</file>
+
+<file path=ppt/slides/slide3.xml><?xml version="1.0" encoding="utf-8"?>
+<p:sld xmlns:a="http://schemas.openxmlformats.org/drawingml/2006/main" xmlns:r="http://schemas.openxmlformats.org/officeDocument/2006/relationships" xmlns:p="http://schemas.openxmlformats.org/presentationml/2006/main">
+  <p:cSld>
+    <p:spTree>
+      <p:nvGrpSpPr>
+        <p:cNvPr id="1" name=""/>
+        <p:cNvGrpSpPr/>
+        <p:nvPr/>
+      </p:nvGrpSpPr>
+      <p:grpSpPr>
+        <a:xfrm>
+          <a:off x="0" y="0"/>
+          <a:ext cx="0" cy="0"/>
+          <a:chOff x="0" y="0"/>
+          <a:chExt cx="0" cy="0"/>
+        </a:xfrm>
+      </p:grpSpPr>
+      <p:pic>
+        <p:nvPicPr>
+          <p:cNvPr id="5" name="Picture 4">
+            <a:extLst>
+              <a:ext uri="{FF2B5EF4-FFF2-40B4-BE49-F238E27FC236}">
+                <a16:creationId xmlns:a16="http://schemas.microsoft.com/office/drawing/2014/main" id="{2147C40B-C6F8-4C75-8ACD-E5ECFDF531EC}"/>
+              </a:ext>
+            </a:extLst>
+          </p:cNvPr>
+          <p:cNvPicPr>
+            <a:picLocks noChangeAspect="1"/>
+          </p:cNvPicPr>
+          <p:nvPr/>
+        </p:nvPicPr>
+        <p:blipFill>
+          <a:blip r:embed="rId2"/>
+          <a:stretch>
+            <a:fillRect/>
+          </a:stretch>
+        </p:blipFill>
+        <p:spPr>
+          <a:xfrm flipH="1">
+            <a:off x="6810536" y="538161"/>
+            <a:ext cx="5858036" cy="3292433"/>
+          </a:xfrm>
+          <a:prstGeom prst="rect">
+            <a:avLst/>
+          </a:prstGeom>
+        </p:spPr>
+      </p:pic>
+      <p:pic>
+        <p:nvPicPr>
+          <p:cNvPr id="6" name="Picture 5">
+            <a:extLst>
+              <a:ext uri="{FF2B5EF4-FFF2-40B4-BE49-F238E27FC236}">
+                <a16:creationId xmlns:a16="http://schemas.microsoft.com/office/drawing/2014/main" id="{A9A35A69-B6BC-4E15-9752-184B4DF2C540}"/>
+              </a:ext>
+            </a:extLst>
+          </p:cNvPr>
+          <p:cNvPicPr>
+            <a:picLocks noChangeAspect="1"/>
+          </p:cNvPicPr>
+          <p:nvPr/>
+        </p:nvPicPr>
+        <p:blipFill>
+          <a:blip r:embed="rId2"/>
+          <a:stretch>
+            <a:fillRect/>
+          </a:stretch>
+        </p:blipFill>
+        <p:spPr>
+          <a:xfrm>
+            <a:off x="952500" y="538162"/>
+            <a:ext cx="5858036" cy="3292433"/>
+          </a:xfrm>
+          <a:prstGeom prst="rect">
+            <a:avLst/>
+          </a:prstGeom>
+        </p:spPr>
+      </p:pic>
+      <p:pic>
+        <p:nvPicPr>
+          <p:cNvPr id="4" name="Picture 3">
+            <a:extLst>
+              <a:ext uri="{FF2B5EF4-FFF2-40B4-BE49-F238E27FC236}">
+                <a16:creationId xmlns:a16="http://schemas.microsoft.com/office/drawing/2014/main" id="{35340FFB-4CC8-4CDB-A616-CAEC8A5075C2}"/>
+              </a:ext>
+            </a:extLst>
+          </p:cNvPr>
+          <p:cNvPicPr>
+            <a:picLocks noChangeAspect="1"/>
+          </p:cNvPicPr>
+          <p:nvPr/>
+        </p:nvPicPr>
+        <p:blipFill>
+          <a:blip r:embed="rId3">
+            <a:extLst>
+              <a:ext uri="{28A0092B-C50C-407E-A947-70E740481C1C}">
+                <a14:useLocalDpi xmlns:a14="http://schemas.microsoft.com/office/drawing/2010/main" val="0"/>
+              </a:ext>
+            </a:extLst>
+          </a:blip>
+          <a:stretch>
+            <a:fillRect/>
+          </a:stretch>
+        </p:blipFill>
+        <p:spPr>
+          <a:xfrm>
+            <a:off x="5559463" y="1384459"/>
+            <a:ext cx="2502146" cy="720575"/>
+          </a:xfrm>
+          <a:prstGeom prst="rect">
+            <a:avLst/>
+          </a:prstGeom>
+        </p:spPr>
+      </p:pic>
+    </p:spTree>
+    <p:extLst>
+      <p:ext uri="{BB962C8B-B14F-4D97-AF65-F5344CB8AC3E}">
+        <p14:creationId xmlns:p14="http://schemas.microsoft.com/office/powerpoint/2010/main" val="1828109977"/>
+      </p:ext>
+    </p:extLst>
+  </p:cSld>
+  <p:clrMapOvr>
+    <a:masterClrMapping/>
+  </p:clrMapOvr>
+</p:sld>
+</file>
+
+<file path=ppt/slides/slide4.xml><?xml version="1.0" encoding="utf-8"?>
+<p:sld xmlns:a="http://schemas.openxmlformats.org/drawingml/2006/main" xmlns:r="http://schemas.openxmlformats.org/officeDocument/2006/relationships" xmlns:p="http://schemas.openxmlformats.org/presentationml/2006/main">
+  <p:cSld>
+    <p:spTree>
+      <p:nvGrpSpPr>
+        <p:cNvPr id="1" name=""/>
+        <p:cNvGrpSpPr/>
+        <p:nvPr/>
+      </p:nvGrpSpPr>
+      <p:grpSpPr>
+        <a:xfrm>
+          <a:off x="0" y="0"/>
+          <a:ext cx="0" cy="0"/>
+          <a:chOff x="0" y="0"/>
+          <a:chExt cx="0" cy="0"/>
+        </a:xfrm>
+      </p:grpSpPr>
+      <p:grpSp>
+        <p:nvGrpSpPr>
+          <p:cNvPr id="3" name="Group 2">
+            <a:extLst>
+              <a:ext uri="{FF2B5EF4-FFF2-40B4-BE49-F238E27FC236}">
+                <a16:creationId xmlns:a16="http://schemas.microsoft.com/office/drawing/2014/main" id="{7589093C-B7B0-409E-B9E6-561F13F9320A}"/>
+              </a:ext>
+            </a:extLst>
+          </p:cNvPr>
+          <p:cNvGrpSpPr/>
+          <p:nvPr/>
+        </p:nvGrpSpPr>
+        <p:grpSpPr>
+          <a:xfrm>
+            <a:off x="2877235" y="1085540"/>
+            <a:ext cx="7935934" cy="3292434"/>
+            <a:chOff x="4732638" y="538161"/>
+            <a:chExt cx="7935934" cy="3292434"/>
+          </a:xfrm>
+        </p:grpSpPr>
+        <p:pic>
+          <p:nvPicPr>
+            <p:cNvPr id="5" name="Picture 4">
+              <a:extLst>
+                <a:ext uri="{FF2B5EF4-FFF2-40B4-BE49-F238E27FC236}">
+                  <a16:creationId xmlns:a16="http://schemas.microsoft.com/office/drawing/2014/main" id="{2147C40B-C6F8-4C75-8ACD-E5ECFDF531EC}"/>
+                </a:ext>
+              </a:extLst>
+            </p:cNvPr>
+            <p:cNvPicPr>
+              <a:picLocks noChangeAspect="1"/>
+            </p:cNvPicPr>
+            <p:nvPr/>
+          </p:nvPicPr>
+          <p:blipFill>
+            <a:blip r:embed="rId2"/>
+            <a:stretch>
+              <a:fillRect/>
+            </a:stretch>
+          </p:blipFill>
+          <p:spPr>
+            <a:xfrm flipH="1">
+              <a:off x="6810536" y="538161"/>
+              <a:ext cx="5858036" cy="3292433"/>
+            </a:xfrm>
+            <a:prstGeom prst="rect">
+              <a:avLst/>
+            </a:prstGeom>
+          </p:spPr>
+        </p:pic>
+        <p:pic>
+          <p:nvPicPr>
+            <p:cNvPr id="6" name="Picture 5">
+              <a:extLst>
+                <a:ext uri="{FF2B5EF4-FFF2-40B4-BE49-F238E27FC236}">
+                  <a16:creationId xmlns:a16="http://schemas.microsoft.com/office/drawing/2014/main" id="{A9A35A69-B6BC-4E15-9752-184B4DF2C540}"/>
+                </a:ext>
+              </a:extLst>
+            </p:cNvPr>
+            <p:cNvPicPr>
+              <a:picLocks noChangeAspect="1"/>
+            </p:cNvPicPr>
+            <p:nvPr/>
+          </p:nvPicPr>
+          <p:blipFill rotWithShape="1">
+            <a:blip r:embed="rId2"/>
+            <a:srcRect l="64529"/>
+            <a:stretch/>
+          </p:blipFill>
+          <p:spPr>
+            <a:xfrm>
+              <a:off x="4732638" y="538162"/>
+              <a:ext cx="2077898" cy="3292433"/>
+            </a:xfrm>
+            <a:prstGeom prst="rect">
+              <a:avLst/>
+            </a:prstGeom>
+          </p:spPr>
+        </p:pic>
+      </p:grpSp>
+      <p:pic>
+        <p:nvPicPr>
+          <p:cNvPr id="14" name="Picture 13">
+            <a:extLst>
+              <a:ext uri="{FF2B5EF4-FFF2-40B4-BE49-F238E27FC236}">
+                <a16:creationId xmlns:a16="http://schemas.microsoft.com/office/drawing/2014/main" id="{63236DF1-DB01-463E-A53C-329E1FD1447A}"/>
+              </a:ext>
+            </a:extLst>
+          </p:cNvPr>
+          <p:cNvPicPr>
+            <a:picLocks noChangeAspect="1"/>
+          </p:cNvPicPr>
+          <p:nvPr/>
+        </p:nvPicPr>
+        <p:blipFill rotWithShape="1">
+          <a:blip r:embed="rId2"/>
+          <a:srcRect l="64529"/>
+          <a:stretch/>
+        </p:blipFill>
+        <p:spPr>
+          <a:xfrm flipH="1">
+            <a:off x="799337" y="1085540"/>
+            <a:ext cx="2077898" cy="3292433"/>
+          </a:xfrm>
+          <a:prstGeom prst="rect">
+            <a:avLst/>
+          </a:prstGeom>
+        </p:spPr>
+      </p:pic>
+      <p:sp>
+        <p:nvSpPr>
+          <p:cNvPr id="17" name="Rectangle 16">
+            <a:extLst>
+              <a:ext uri="{FF2B5EF4-FFF2-40B4-BE49-F238E27FC236}">
+                <a16:creationId xmlns:a16="http://schemas.microsoft.com/office/drawing/2014/main" id="{C525C486-0C42-46B2-A3D0-91374FE6B7D7}"/>
+              </a:ext>
+            </a:extLst>
+          </p:cNvPr>
+          <p:cNvSpPr/>
+          <p:nvPr/>
+        </p:nvSpPr>
+        <p:spPr>
+          <a:xfrm>
+            <a:off x="799337" y="1085540"/>
+            <a:ext cx="10013832" cy="3292433"/>
+          </a:xfrm>
+          <a:prstGeom prst="rect">
+            <a:avLst/>
+          </a:prstGeom>
+          <a:gradFill flip="none" rotWithShape="1">
+            <a:gsLst>
+              <a:gs pos="9000">
+                <a:srgbClr val="F5F5F5"/>
+              </a:gs>
+              <a:gs pos="61000">
+                <a:srgbClr val="FFFFFF">
+                  <a:shade val="100000"/>
+                  <a:satMod val="115000"/>
+                  <a:alpha val="0"/>
+                </a:srgbClr>
+              </a:gs>
+            </a:gsLst>
+            <a:lin ang="0" scaled="1"/>
+            <a:tileRect/>
+          </a:gradFill>
+          <a:ln>
+            <a:noFill/>
+          </a:ln>
+        </p:spPr>
+        <p:style>
+          <a:lnRef idx="2">
+            <a:schemeClr val="accent1">
+              <a:shade val="50000"/>
+            </a:schemeClr>
+          </a:lnRef>
+          <a:fillRef idx="1">
+            <a:schemeClr val="accent1"/>
+          </a:fillRef>
+          <a:effectRef idx="0">
+            <a:schemeClr val="accent1"/>
+          </a:effectRef>
+          <a:fontRef idx="minor">
+            <a:schemeClr val="lt1"/>
+          </a:fontRef>
+        </p:style>
+        <p:txBody>
+          <a:bodyPr rtlCol="0" anchor="ctr"/>
+          <a:lstStyle/>
+          <a:p>
+            <a:pPr algn="ctr"/>
+            <a:endParaRPr lang="en-US" dirty="0"/>
+          </a:p>
+        </p:txBody>
+      </p:sp>
+      <p:grpSp>
+        <p:nvGrpSpPr>
+          <p:cNvPr id="18" name="Group 17">
+            <a:extLst>
+              <a:ext uri="{FF2B5EF4-FFF2-40B4-BE49-F238E27FC236}">
+                <a16:creationId xmlns:a16="http://schemas.microsoft.com/office/drawing/2014/main" id="{50BDA61E-D715-4C4F-A56B-3B93555089DC}"/>
+              </a:ext>
+            </a:extLst>
+          </p:cNvPr>
+          <p:cNvGrpSpPr/>
+          <p:nvPr/>
+        </p:nvGrpSpPr>
+        <p:grpSpPr>
+          <a:xfrm>
+            <a:off x="1397379" y="1322707"/>
+            <a:ext cx="4552399" cy="2266276"/>
+            <a:chOff x="1378831" y="1560891"/>
+            <a:chExt cx="4552399" cy="2266276"/>
+          </a:xfrm>
+        </p:grpSpPr>
+        <p:sp>
+          <p:nvSpPr>
+            <p:cNvPr id="16" name="Rectangle 15">
+              <a:extLst>
+                <a:ext uri="{FF2B5EF4-FFF2-40B4-BE49-F238E27FC236}">
+                  <a16:creationId xmlns:a16="http://schemas.microsoft.com/office/drawing/2014/main" id="{F1D7E6BF-B1BB-479E-ACE3-571250AB78D9}"/>
+                </a:ext>
+              </a:extLst>
+            </p:cNvPr>
+            <p:cNvSpPr/>
+            <p:nvPr/>
+          </p:nvSpPr>
+          <p:spPr>
+            <a:xfrm>
+              <a:off x="1378831" y="2903837"/>
+              <a:ext cx="4307589" cy="923330"/>
+            </a:xfrm>
+            <a:prstGeom prst="rect">
+              <a:avLst/>
+            </a:prstGeom>
+          </p:spPr>
+          <p:txBody>
+            <a:bodyPr wrap="none">
+              <a:spAutoFit/>
+            </a:bodyPr>
+            <a:lstStyle/>
+            <a:p>
+              <a:r>
+                <a:rPr lang="hu-HU" sz="5400" b="1" dirty="0">
+                  <a:ln w="19050">
+                    <a:solidFill>
+                      <a:schemeClr val="tx1"/>
+                    </a:solidFill>
+                  </a:ln>
+                  <a:solidFill>
+                    <a:schemeClr val="bg1">
+                      <a:lumMod val="50000"/>
+                    </a:schemeClr>
+                  </a:solidFill>
+                  <a:latin typeface="Bahnschrift" panose="020B0502040204020203" pitchFamily="34" charset="0"/>
+                </a:rPr>
+                <a:t>Medvejelentő</a:t>
+              </a:r>
+              <a:endParaRPr lang="en-US" sz="1000" dirty="0">
+                <a:ln w="19050">
+                  <a:solidFill>
+                    <a:schemeClr val="tx1"/>
+                  </a:solidFill>
+                </a:ln>
+                <a:solidFill>
+                  <a:schemeClr val="bg1">
+                    <a:lumMod val="50000"/>
+                  </a:schemeClr>
+                </a:solidFill>
+              </a:endParaRPr>
+            </a:p>
+          </p:txBody>
+        </p:sp>
+        <p:pic>
+          <p:nvPicPr>
+            <p:cNvPr id="15" name="Picture 14">
+              <a:extLst>
+                <a:ext uri="{FF2B5EF4-FFF2-40B4-BE49-F238E27FC236}">
+                  <a16:creationId xmlns:a16="http://schemas.microsoft.com/office/drawing/2014/main" id="{8039E097-7D6E-43CB-9F18-9EBCD94DFE18}"/>
+                </a:ext>
+              </a:extLst>
+            </p:cNvPr>
+            <p:cNvPicPr>
+              <a:picLocks noChangeAspect="1"/>
+            </p:cNvPicPr>
+            <p:nvPr/>
+          </p:nvPicPr>
+          <p:blipFill>
+            <a:blip r:embed="rId3"/>
+            <a:stretch>
+              <a:fillRect/>
+            </a:stretch>
+          </p:blipFill>
+          <p:spPr>
+            <a:xfrm>
+              <a:off x="1378831" y="1560891"/>
+              <a:ext cx="4552399" cy="1309297"/>
+            </a:xfrm>
+            <a:prstGeom prst="rect">
+              <a:avLst/>
+            </a:prstGeom>
+          </p:spPr>
+        </p:pic>
+      </p:grpSp>
+    </p:spTree>
+    <p:extLst>
+      <p:ext uri="{BB962C8B-B14F-4D97-AF65-F5344CB8AC3E}">
+        <p14:creationId xmlns:p14="http://schemas.microsoft.com/office/powerpoint/2010/main" val="164812204"/>
+      </p:ext>
+    </p:extLst>
+  </p:cSld>
+  <p:clrMapOvr>
+    <a:masterClrMapping/>
+  </p:clrMapOvr>
+</p:sld>
+</file>
+
+<file path=ppt/slides/slide5.xml><?xml version="1.0" encoding="utf-8"?>
+<p:sld xmlns:a="http://schemas.openxmlformats.org/drawingml/2006/main" xmlns:r="http://schemas.openxmlformats.org/officeDocument/2006/relationships" xmlns:p="http://schemas.openxmlformats.org/presentationml/2006/main">
+  <p:cSld>
+    <p:spTree>
+      <p:nvGrpSpPr>
+        <p:cNvPr id="1" name=""/>
+        <p:cNvGrpSpPr/>
+        <p:nvPr/>
+      </p:nvGrpSpPr>
+      <p:grpSpPr>
+        <a:xfrm>
+          <a:off x="0" y="0"/>
+          <a:ext cx="0" cy="0"/>
+          <a:chOff x="0" y="0"/>
+          <a:chExt cx="0" cy="0"/>
+        </a:xfrm>
+      </p:grpSpPr>
+      <p:grpSp>
+        <p:nvGrpSpPr>
+          <p:cNvPr id="3" name="Group 2">
+            <a:extLst>
+              <a:ext uri="{FF2B5EF4-FFF2-40B4-BE49-F238E27FC236}">
+                <a16:creationId xmlns:a16="http://schemas.microsoft.com/office/drawing/2014/main" id="{7589093C-B7B0-409E-B9E6-561F13F9320A}"/>
+              </a:ext>
+            </a:extLst>
+          </p:cNvPr>
+          <p:cNvGrpSpPr/>
+          <p:nvPr/>
+        </p:nvGrpSpPr>
+        <p:grpSpPr>
+          <a:xfrm>
+            <a:off x="2877235" y="1085540"/>
+            <a:ext cx="7935934" cy="3292434"/>
+            <a:chOff x="4732638" y="538161"/>
+            <a:chExt cx="7935934" cy="3292434"/>
+          </a:xfrm>
+        </p:grpSpPr>
+        <p:pic>
+          <p:nvPicPr>
+            <p:cNvPr id="5" name="Picture 4">
+              <a:extLst>
+                <a:ext uri="{FF2B5EF4-FFF2-40B4-BE49-F238E27FC236}">
+                  <a16:creationId xmlns:a16="http://schemas.microsoft.com/office/drawing/2014/main" id="{2147C40B-C6F8-4C75-8ACD-E5ECFDF531EC}"/>
+                </a:ext>
+              </a:extLst>
+            </p:cNvPr>
+            <p:cNvPicPr>
+              <a:picLocks noChangeAspect="1"/>
+            </p:cNvPicPr>
+            <p:nvPr/>
+          </p:nvPicPr>
+          <p:blipFill>
+            <a:blip r:embed="rId2"/>
+            <a:stretch>
+              <a:fillRect/>
+            </a:stretch>
+          </p:blipFill>
+          <p:spPr>
+            <a:xfrm flipH="1">
+              <a:off x="6810536" y="538161"/>
+              <a:ext cx="5858036" cy="3292433"/>
+            </a:xfrm>
+            <a:prstGeom prst="rect">
+              <a:avLst/>
+            </a:prstGeom>
+          </p:spPr>
+        </p:pic>
+        <p:pic>
+          <p:nvPicPr>
+            <p:cNvPr id="6" name="Picture 5">
+              <a:extLst>
+                <a:ext uri="{FF2B5EF4-FFF2-40B4-BE49-F238E27FC236}">
+                  <a16:creationId xmlns:a16="http://schemas.microsoft.com/office/drawing/2014/main" id="{A9A35A69-B6BC-4E15-9752-184B4DF2C540}"/>
+                </a:ext>
+              </a:extLst>
+            </p:cNvPr>
+            <p:cNvPicPr>
+              <a:picLocks noChangeAspect="1"/>
+            </p:cNvPicPr>
+            <p:nvPr/>
+          </p:nvPicPr>
+          <p:blipFill rotWithShape="1">
+            <a:blip r:embed="rId2"/>
+            <a:srcRect l="64529"/>
+            <a:stretch/>
+          </p:blipFill>
+          <p:spPr>
+            <a:xfrm>
+              <a:off x="4732638" y="538162"/>
+              <a:ext cx="2077898" cy="3292433"/>
+            </a:xfrm>
+            <a:prstGeom prst="rect">
+              <a:avLst/>
+            </a:prstGeom>
+          </p:spPr>
+        </p:pic>
+      </p:grpSp>
+      <p:pic>
+        <p:nvPicPr>
+          <p:cNvPr id="14" name="Picture 13">
+            <a:extLst>
+              <a:ext uri="{FF2B5EF4-FFF2-40B4-BE49-F238E27FC236}">
+                <a16:creationId xmlns:a16="http://schemas.microsoft.com/office/drawing/2014/main" id="{63236DF1-DB01-463E-A53C-329E1FD1447A}"/>
+              </a:ext>
+            </a:extLst>
+          </p:cNvPr>
+          <p:cNvPicPr>
+            <a:picLocks noChangeAspect="1"/>
+          </p:cNvPicPr>
+          <p:nvPr/>
+        </p:nvPicPr>
+        <p:blipFill rotWithShape="1">
+          <a:blip r:embed="rId2"/>
+          <a:srcRect l="64529"/>
+          <a:stretch/>
+        </p:blipFill>
+        <p:spPr>
+          <a:xfrm flipH="1">
+            <a:off x="799337" y="1085540"/>
+            <a:ext cx="2077898" cy="3292433"/>
+          </a:xfrm>
+          <a:prstGeom prst="rect">
+            <a:avLst/>
+          </a:prstGeom>
+        </p:spPr>
+      </p:pic>
+      <p:sp>
+        <p:nvSpPr>
+          <p:cNvPr id="17" name="Rectangle 16">
+            <a:extLst>
+              <a:ext uri="{FF2B5EF4-FFF2-40B4-BE49-F238E27FC236}">
+                <a16:creationId xmlns:a16="http://schemas.microsoft.com/office/drawing/2014/main" id="{C525C486-0C42-46B2-A3D0-91374FE6B7D7}"/>
+              </a:ext>
+            </a:extLst>
+          </p:cNvPr>
+          <p:cNvSpPr/>
+          <p:nvPr/>
+        </p:nvSpPr>
+        <p:spPr>
+          <a:xfrm>
+            <a:off x="799337" y="1085540"/>
+            <a:ext cx="10013832" cy="3292433"/>
+          </a:xfrm>
+          <a:prstGeom prst="rect">
+            <a:avLst/>
+          </a:prstGeom>
+          <a:gradFill flip="none" rotWithShape="1">
+            <a:gsLst>
+              <a:gs pos="9000">
+                <a:schemeClr val="bg1"/>
+              </a:gs>
+              <a:gs pos="61000">
+                <a:srgbClr val="FFFFFF">
+                  <a:shade val="100000"/>
+                  <a:satMod val="115000"/>
+                  <a:alpha val="0"/>
+                </a:srgbClr>
+              </a:gs>
+            </a:gsLst>
+            <a:lin ang="0" scaled="1"/>
+            <a:tileRect/>
+          </a:gradFill>
+          <a:ln>
+            <a:noFill/>
+          </a:ln>
+        </p:spPr>
+        <p:style>
+          <a:lnRef idx="2">
+            <a:schemeClr val="accent1">
+              <a:shade val="50000"/>
+            </a:schemeClr>
+          </a:lnRef>
+          <a:fillRef idx="1">
+            <a:schemeClr val="accent1"/>
+          </a:fillRef>
+          <a:effectRef idx="0">
+            <a:schemeClr val="accent1"/>
+          </a:effectRef>
+          <a:fontRef idx="minor">
+            <a:schemeClr val="lt1"/>
+          </a:fontRef>
+        </p:style>
+        <p:txBody>
+          <a:bodyPr rtlCol="0" anchor="ctr"/>
+          <a:lstStyle/>
+          <a:p>
+            <a:pPr algn="ctr"/>
+            <a:endParaRPr lang="en-US" dirty="0"/>
+          </a:p>
+        </p:txBody>
+      </p:sp>
+      <p:grpSp>
+        <p:nvGrpSpPr>
+          <p:cNvPr id="18" name="Group 17">
+            <a:extLst>
+              <a:ext uri="{FF2B5EF4-FFF2-40B4-BE49-F238E27FC236}">
+                <a16:creationId xmlns:a16="http://schemas.microsoft.com/office/drawing/2014/main" id="{50BDA61E-D715-4C4F-A56B-3B93555089DC}"/>
+              </a:ext>
+            </a:extLst>
+          </p:cNvPr>
+          <p:cNvGrpSpPr/>
+          <p:nvPr/>
+        </p:nvGrpSpPr>
+        <p:grpSpPr>
+          <a:xfrm>
+            <a:off x="1397379" y="1322707"/>
+            <a:ext cx="4552399" cy="2266276"/>
+            <a:chOff x="1378831" y="1560891"/>
+            <a:chExt cx="4552399" cy="2266276"/>
+          </a:xfrm>
+        </p:grpSpPr>
+        <p:sp>
+          <p:nvSpPr>
+            <p:cNvPr id="16" name="Rectangle 15">
+              <a:extLst>
+                <a:ext uri="{FF2B5EF4-FFF2-40B4-BE49-F238E27FC236}">
+                  <a16:creationId xmlns:a16="http://schemas.microsoft.com/office/drawing/2014/main" id="{F1D7E6BF-B1BB-479E-ACE3-571250AB78D9}"/>
+                </a:ext>
+              </a:extLst>
+            </p:cNvPr>
+            <p:cNvSpPr/>
+            <p:nvPr/>
+          </p:nvSpPr>
+          <p:spPr>
+            <a:xfrm>
+              <a:off x="1378831" y="2903837"/>
+              <a:ext cx="4307589" cy="923330"/>
+            </a:xfrm>
+            <a:prstGeom prst="rect">
+              <a:avLst/>
+            </a:prstGeom>
+          </p:spPr>
+          <p:txBody>
+            <a:bodyPr wrap="none">
+              <a:spAutoFit/>
+            </a:bodyPr>
+            <a:lstStyle/>
+            <a:p>
+              <a:r>
+                <a:rPr lang="hu-HU" sz="5400" b="1" dirty="0">
+                  <a:ln w="19050">
+                    <a:solidFill>
+                      <a:schemeClr val="tx1"/>
+                    </a:solidFill>
+                  </a:ln>
+                  <a:solidFill>
+                    <a:schemeClr val="bg1">
+                      <a:lumMod val="50000"/>
+                    </a:schemeClr>
+                  </a:solidFill>
+                  <a:latin typeface="Bahnschrift" panose="020B0502040204020203" pitchFamily="34" charset="0"/>
+                </a:rPr>
+                <a:t>Medvejelentő</a:t>
+              </a:r>
+              <a:endParaRPr lang="en-US" sz="1000" dirty="0">
+                <a:ln w="19050">
+                  <a:solidFill>
+                    <a:schemeClr val="tx1"/>
+                  </a:solidFill>
+                </a:ln>
+                <a:solidFill>
+                  <a:schemeClr val="bg1">
+                    <a:lumMod val="50000"/>
+                  </a:schemeClr>
+                </a:solidFill>
+              </a:endParaRPr>
+            </a:p>
+          </p:txBody>
+        </p:sp>
+        <p:pic>
+          <p:nvPicPr>
+            <p:cNvPr id="15" name="Picture 14">
+              <a:extLst>
+                <a:ext uri="{FF2B5EF4-FFF2-40B4-BE49-F238E27FC236}">
+                  <a16:creationId xmlns:a16="http://schemas.microsoft.com/office/drawing/2014/main" id="{8039E097-7D6E-43CB-9F18-9EBCD94DFE18}"/>
+                </a:ext>
+              </a:extLst>
+            </p:cNvPr>
+            <p:cNvPicPr>
+              <a:picLocks noChangeAspect="1"/>
+            </p:cNvPicPr>
+            <p:nvPr/>
+          </p:nvPicPr>
+          <p:blipFill>
+            <a:blip r:embed="rId3"/>
+            <a:stretch>
+              <a:fillRect/>
+            </a:stretch>
+          </p:blipFill>
+          <p:spPr>
+            <a:xfrm>
+              <a:off x="1378831" y="1560891"/>
+              <a:ext cx="4552399" cy="1309297"/>
+            </a:xfrm>
+            <a:prstGeom prst="rect">
+              <a:avLst/>
+            </a:prstGeom>
+          </p:spPr>
+        </p:pic>
+      </p:grpSp>
+      <p:pic>
+        <p:nvPicPr>
+          <p:cNvPr id="2" name="Picture 1">
+            <a:extLst>
+              <a:ext uri="{FF2B5EF4-FFF2-40B4-BE49-F238E27FC236}">
+                <a16:creationId xmlns:a16="http://schemas.microsoft.com/office/drawing/2014/main" id="{DF9578EC-0510-4547-9706-19735114C0F2}"/>
+              </a:ext>
+            </a:extLst>
+          </p:cNvPr>
+          <p:cNvPicPr>
+            <a:picLocks noChangeAspect="1"/>
+          </p:cNvPicPr>
+          <p:nvPr/>
+        </p:nvPicPr>
+        <p:blipFill>
+          <a:blip r:embed="rId4"/>
+          <a:stretch>
+            <a:fillRect/>
+          </a:stretch>
+        </p:blipFill>
+        <p:spPr>
+          <a:xfrm>
+            <a:off x="0" y="1673"/>
+            <a:ext cx="12192000" cy="6854653"/>
+          </a:xfrm>
+          <a:prstGeom prst="rect">
+            <a:avLst/>
+          </a:prstGeom>
+          <a:ln>
+            <a:solidFill>
+              <a:srgbClr val="F5F5F5"/>
+            </a:solidFill>
+          </a:ln>
+        </p:spPr>
+      </p:pic>
+    </p:spTree>
+    <p:extLst>
+      <p:ext uri="{BB962C8B-B14F-4D97-AF65-F5344CB8AC3E}">
+        <p14:creationId xmlns:p14="http://schemas.microsoft.com/office/powerpoint/2010/main" val="1800511413"/>
       </p:ext>
     </p:extLst>
   </p:cSld>
